--- a/PPT/Class period 4.pptx
+++ b/PPT/Class period 4.pptx
@@ -216,9 +216,9 @@
             </a:lvl1pPr>
           </a:lstStyle>
           <a:p>
-            <a:fld id="{A34F68E1-1FB0-4132-B2D4-F9C6D0436E1C}" type="datetimeFigureOut">
+            <a:fld id="{D34CB13F-99AF-4416-9B52-5F7C10DE4F9E}" type="datetimeFigureOut">
               <a:rPr lang="en-US" smtClean="0"/>
-              <a:t>4/20/2024</a:t>
+              <a:t>5/15/2024</a:t>
             </a:fld>
             <a:endParaRPr lang="en-US"/>
           </a:p>
@@ -374,7 +374,7 @@
             </a:lvl1pPr>
           </a:lstStyle>
           <a:p>
-            <a:fld id="{05CEC76D-21CB-4A5E-B640-32AC74480579}" type="slidenum">
+            <a:fld id="{7594ABE0-8591-48B0-802F-83794828D8A9}" type="slidenum">
               <a:rPr lang="en-US" smtClean="0"/>
               <a:t>‹#›</a:t>
             </a:fld>
@@ -385,7 +385,7 @@
     </p:spTree>
     <p:extLst>
       <p:ext uri="{BB962C8B-B14F-4D97-AF65-F5344CB8AC3E}">
-        <p14:creationId xmlns:p14="http://schemas.microsoft.com/office/powerpoint/2010/main" val="1435653845"/>
+        <p14:creationId xmlns:p14="http://schemas.microsoft.com/office/powerpoint/2010/main" val="3814349221"/>
       </p:ext>
     </p:extLst>
   </p:cSld>
@@ -591,7 +591,7 @@
           <p:cNvPr id="2" name="Title 1">
             <a:extLst>
               <a:ext uri="{FF2B5EF4-FFF2-40B4-BE49-F238E27FC236}">
-                <a16:creationId xmlns:a16="http://schemas.microsoft.com/office/drawing/2014/main" id="{C7E843B8-E485-761D-CCA6-8108398EA4A4}"/>
+                <a16:creationId xmlns:a16="http://schemas.microsoft.com/office/drawing/2014/main" id="{D99CFB93-D2BC-1761-87CC-050883255296}"/>
               </a:ext>
             </a:extLst>
           </p:cNvPr>
@@ -628,7 +628,7 @@
           <p:cNvPr id="3" name="Subtitle 2">
             <a:extLst>
               <a:ext uri="{FF2B5EF4-FFF2-40B4-BE49-F238E27FC236}">
-                <a16:creationId xmlns:a16="http://schemas.microsoft.com/office/drawing/2014/main" id="{BC64CD9D-C388-3872-2A84-1E7343A5AFFF}"/>
+                <a16:creationId xmlns:a16="http://schemas.microsoft.com/office/drawing/2014/main" id="{E2EBB9BC-060A-5642-92A5-3854AAEA24C2}"/>
               </a:ext>
             </a:extLst>
           </p:cNvPr>
@@ -698,7 +698,7 @@
           <p:cNvPr id="4" name="Date Placeholder 3">
             <a:extLst>
               <a:ext uri="{FF2B5EF4-FFF2-40B4-BE49-F238E27FC236}">
-                <a16:creationId xmlns:a16="http://schemas.microsoft.com/office/drawing/2014/main" id="{28C0C9E3-3666-2F4A-1BB2-D57AB03A6C8D}"/>
+                <a16:creationId xmlns:a16="http://schemas.microsoft.com/office/drawing/2014/main" id="{954A20D9-5FE7-F9FB-636E-931243657AEF}"/>
               </a:ext>
             </a:extLst>
           </p:cNvPr>
@@ -714,9 +714,9 @@
           <a:bodyPr/>
           <a:lstStyle/>
           <a:p>
-            <a:fld id="{5A99A290-CE3C-4F8E-9641-91AA30747E97}" type="datetimeFigureOut">
+            <a:fld id="{7F222CB0-F968-4A1F-A1FB-10FEC4E2F6E1}" type="datetimeFigureOut">
               <a:rPr lang="en-US" smtClean="0"/>
-              <a:t>4/20/2024</a:t>
+              <a:t>5/15/2024</a:t>
             </a:fld>
             <a:endParaRPr lang="en-US"/>
           </a:p>
@@ -727,7 +727,7 @@
           <p:cNvPr id="5" name="Footer Placeholder 4">
             <a:extLst>
               <a:ext uri="{FF2B5EF4-FFF2-40B4-BE49-F238E27FC236}">
-                <a16:creationId xmlns:a16="http://schemas.microsoft.com/office/drawing/2014/main" id="{F2DC5A1E-6A68-CE5B-A58B-F244AF689FEA}"/>
+                <a16:creationId xmlns:a16="http://schemas.microsoft.com/office/drawing/2014/main" id="{E13611B3-7A85-F117-A55D-CA5FDF763D97}"/>
               </a:ext>
             </a:extLst>
           </p:cNvPr>
@@ -752,7 +752,7 @@
           <p:cNvPr id="6" name="Slide Number Placeholder 5">
             <a:extLst>
               <a:ext uri="{FF2B5EF4-FFF2-40B4-BE49-F238E27FC236}">
-                <a16:creationId xmlns:a16="http://schemas.microsoft.com/office/drawing/2014/main" id="{9CECA45E-0B0E-7443-820D-7309F6479279}"/>
+                <a16:creationId xmlns:a16="http://schemas.microsoft.com/office/drawing/2014/main" id="{3DA73441-B3A3-E4CC-67B2-42144E2F9ACE}"/>
               </a:ext>
             </a:extLst>
           </p:cNvPr>
@@ -768,7 +768,7 @@
           <a:bodyPr/>
           <a:lstStyle/>
           <a:p>
-            <a:fld id="{5B6BF0C4-D4F5-4B2F-848B-68D9790D66CA}" type="slidenum">
+            <a:fld id="{EE74A6CD-FF33-4F0D-A8EC-006063FDDA63}" type="slidenum">
               <a:rPr lang="en-US" smtClean="0"/>
               <a:t>‹#›</a:t>
             </a:fld>
@@ -779,7 +779,7 @@
     </p:spTree>
     <p:extLst>
       <p:ext uri="{BB962C8B-B14F-4D97-AF65-F5344CB8AC3E}">
-        <p14:creationId xmlns:p14="http://schemas.microsoft.com/office/powerpoint/2010/main" val="282275169"/>
+        <p14:creationId xmlns:p14="http://schemas.microsoft.com/office/powerpoint/2010/main" val="2400666827"/>
       </p:ext>
     </p:extLst>
   </p:cSld>
@@ -811,7 +811,7 @@
           <p:cNvPr id="2" name="Title 1">
             <a:extLst>
               <a:ext uri="{FF2B5EF4-FFF2-40B4-BE49-F238E27FC236}">
-                <a16:creationId xmlns:a16="http://schemas.microsoft.com/office/drawing/2014/main" id="{3DBC3418-DFF1-8CF1-0133-D4CF361A718E}"/>
+                <a16:creationId xmlns:a16="http://schemas.microsoft.com/office/drawing/2014/main" id="{F0E0FB1E-1324-3D26-5D7F-35BF1EEEE44F}"/>
               </a:ext>
             </a:extLst>
           </p:cNvPr>
@@ -839,7 +839,7 @@
           <p:cNvPr id="3" name="Vertical Text Placeholder 2">
             <a:extLst>
               <a:ext uri="{FF2B5EF4-FFF2-40B4-BE49-F238E27FC236}">
-                <a16:creationId xmlns:a16="http://schemas.microsoft.com/office/drawing/2014/main" id="{21FDF1BC-2E92-E41A-6681-1EE587D7CBCD}"/>
+                <a16:creationId xmlns:a16="http://schemas.microsoft.com/office/drawing/2014/main" id="{230F4ACD-8DFE-3515-BE22-03DE7D8BEA47}"/>
               </a:ext>
             </a:extLst>
           </p:cNvPr>
@@ -896,7 +896,7 @@
           <p:cNvPr id="4" name="Date Placeholder 3">
             <a:extLst>
               <a:ext uri="{FF2B5EF4-FFF2-40B4-BE49-F238E27FC236}">
-                <a16:creationId xmlns:a16="http://schemas.microsoft.com/office/drawing/2014/main" id="{4A8FBB76-5F02-7D3A-0F8A-322AF99D0FBF}"/>
+                <a16:creationId xmlns:a16="http://schemas.microsoft.com/office/drawing/2014/main" id="{1F7E78EE-9280-C6B3-B7E7-C33D4005B0CA}"/>
               </a:ext>
             </a:extLst>
           </p:cNvPr>
@@ -912,9 +912,9 @@
           <a:bodyPr/>
           <a:lstStyle/>
           <a:p>
-            <a:fld id="{5A99A290-CE3C-4F8E-9641-91AA30747E97}" type="datetimeFigureOut">
+            <a:fld id="{7F222CB0-F968-4A1F-A1FB-10FEC4E2F6E1}" type="datetimeFigureOut">
               <a:rPr lang="en-US" smtClean="0"/>
-              <a:t>4/20/2024</a:t>
+              <a:t>5/15/2024</a:t>
             </a:fld>
             <a:endParaRPr lang="en-US"/>
           </a:p>
@@ -925,7 +925,7 @@
           <p:cNvPr id="5" name="Footer Placeholder 4">
             <a:extLst>
               <a:ext uri="{FF2B5EF4-FFF2-40B4-BE49-F238E27FC236}">
-                <a16:creationId xmlns:a16="http://schemas.microsoft.com/office/drawing/2014/main" id="{B1A1490F-7ACE-1723-6110-7A4E02F419B4}"/>
+                <a16:creationId xmlns:a16="http://schemas.microsoft.com/office/drawing/2014/main" id="{50F7C6A7-AC21-42F6-FEA2-F6B717747E89}"/>
               </a:ext>
             </a:extLst>
           </p:cNvPr>
@@ -950,7 +950,7 @@
           <p:cNvPr id="6" name="Slide Number Placeholder 5">
             <a:extLst>
               <a:ext uri="{FF2B5EF4-FFF2-40B4-BE49-F238E27FC236}">
-                <a16:creationId xmlns:a16="http://schemas.microsoft.com/office/drawing/2014/main" id="{D8755F44-E5A4-2461-9945-B8A3F300A55E}"/>
+                <a16:creationId xmlns:a16="http://schemas.microsoft.com/office/drawing/2014/main" id="{2AC5BB64-F2C7-6681-6D1D-C22312495D1E}"/>
               </a:ext>
             </a:extLst>
           </p:cNvPr>
@@ -966,7 +966,7 @@
           <a:bodyPr/>
           <a:lstStyle/>
           <a:p>
-            <a:fld id="{5B6BF0C4-D4F5-4B2F-848B-68D9790D66CA}" type="slidenum">
+            <a:fld id="{EE74A6CD-FF33-4F0D-A8EC-006063FDDA63}" type="slidenum">
               <a:rPr lang="en-US" smtClean="0"/>
               <a:t>‹#›</a:t>
             </a:fld>
@@ -977,7 +977,7 @@
     </p:spTree>
     <p:extLst>
       <p:ext uri="{BB962C8B-B14F-4D97-AF65-F5344CB8AC3E}">
-        <p14:creationId xmlns:p14="http://schemas.microsoft.com/office/powerpoint/2010/main" val="4258189274"/>
+        <p14:creationId xmlns:p14="http://schemas.microsoft.com/office/powerpoint/2010/main" val="2556954406"/>
       </p:ext>
     </p:extLst>
   </p:cSld>
@@ -1009,7 +1009,7 @@
           <p:cNvPr id="2" name="Vertical Title 1">
             <a:extLst>
               <a:ext uri="{FF2B5EF4-FFF2-40B4-BE49-F238E27FC236}">
-                <a16:creationId xmlns:a16="http://schemas.microsoft.com/office/drawing/2014/main" id="{CA224CC9-2422-92DE-5CDF-954344E95D3F}"/>
+                <a16:creationId xmlns:a16="http://schemas.microsoft.com/office/drawing/2014/main" id="{7DBEE20F-B00D-D23A-9D08-DFF1D6DDDBA6}"/>
               </a:ext>
             </a:extLst>
           </p:cNvPr>
@@ -1042,7 +1042,7 @@
           <p:cNvPr id="3" name="Vertical Text Placeholder 2">
             <a:extLst>
               <a:ext uri="{FF2B5EF4-FFF2-40B4-BE49-F238E27FC236}">
-                <a16:creationId xmlns:a16="http://schemas.microsoft.com/office/drawing/2014/main" id="{9754655F-79B9-5866-20DF-F734D7D079CE}"/>
+                <a16:creationId xmlns:a16="http://schemas.microsoft.com/office/drawing/2014/main" id="{2E6B5324-8485-4023-65CD-B2BFA57C2084}"/>
               </a:ext>
             </a:extLst>
           </p:cNvPr>
@@ -1104,7 +1104,7 @@
           <p:cNvPr id="4" name="Date Placeholder 3">
             <a:extLst>
               <a:ext uri="{FF2B5EF4-FFF2-40B4-BE49-F238E27FC236}">
-                <a16:creationId xmlns:a16="http://schemas.microsoft.com/office/drawing/2014/main" id="{94049FD0-A62A-B982-67CC-78F622BD5BE3}"/>
+                <a16:creationId xmlns:a16="http://schemas.microsoft.com/office/drawing/2014/main" id="{23A7FF52-158C-0A29-9EA5-42FE578D740D}"/>
               </a:ext>
             </a:extLst>
           </p:cNvPr>
@@ -1120,9 +1120,9 @@
           <a:bodyPr/>
           <a:lstStyle/>
           <a:p>
-            <a:fld id="{5A99A290-CE3C-4F8E-9641-91AA30747E97}" type="datetimeFigureOut">
+            <a:fld id="{7F222CB0-F968-4A1F-A1FB-10FEC4E2F6E1}" type="datetimeFigureOut">
               <a:rPr lang="en-US" smtClean="0"/>
-              <a:t>4/20/2024</a:t>
+              <a:t>5/15/2024</a:t>
             </a:fld>
             <a:endParaRPr lang="en-US"/>
           </a:p>
@@ -1133,7 +1133,7 @@
           <p:cNvPr id="5" name="Footer Placeholder 4">
             <a:extLst>
               <a:ext uri="{FF2B5EF4-FFF2-40B4-BE49-F238E27FC236}">
-                <a16:creationId xmlns:a16="http://schemas.microsoft.com/office/drawing/2014/main" id="{2560BE93-F20F-0A52-C11A-362F9C6C3D4D}"/>
+                <a16:creationId xmlns:a16="http://schemas.microsoft.com/office/drawing/2014/main" id="{1967117D-82CE-CDD3-7826-F303D88AE346}"/>
               </a:ext>
             </a:extLst>
           </p:cNvPr>
@@ -1158,7 +1158,7 @@
           <p:cNvPr id="6" name="Slide Number Placeholder 5">
             <a:extLst>
               <a:ext uri="{FF2B5EF4-FFF2-40B4-BE49-F238E27FC236}">
-                <a16:creationId xmlns:a16="http://schemas.microsoft.com/office/drawing/2014/main" id="{45AE5A39-A71D-CF0C-E3FF-BD52D0753DB7}"/>
+                <a16:creationId xmlns:a16="http://schemas.microsoft.com/office/drawing/2014/main" id="{C88C18C1-09B5-6BF9-130F-47DB9B1BEA65}"/>
               </a:ext>
             </a:extLst>
           </p:cNvPr>
@@ -1174,7 +1174,7 @@
           <a:bodyPr/>
           <a:lstStyle/>
           <a:p>
-            <a:fld id="{5B6BF0C4-D4F5-4B2F-848B-68D9790D66CA}" type="slidenum">
+            <a:fld id="{EE74A6CD-FF33-4F0D-A8EC-006063FDDA63}" type="slidenum">
               <a:rPr lang="en-US" smtClean="0"/>
               <a:t>‹#›</a:t>
             </a:fld>
@@ -1185,7 +1185,7 @@
     </p:spTree>
     <p:extLst>
       <p:ext uri="{BB962C8B-B14F-4D97-AF65-F5344CB8AC3E}">
-        <p14:creationId xmlns:p14="http://schemas.microsoft.com/office/powerpoint/2010/main" val="2808296104"/>
+        <p14:creationId xmlns:p14="http://schemas.microsoft.com/office/powerpoint/2010/main" val="4143133890"/>
       </p:ext>
     </p:extLst>
   </p:cSld>
@@ -1217,7 +1217,7 @@
           <p:cNvPr id="2" name="Title 1">
             <a:extLst>
               <a:ext uri="{FF2B5EF4-FFF2-40B4-BE49-F238E27FC236}">
-                <a16:creationId xmlns:a16="http://schemas.microsoft.com/office/drawing/2014/main" id="{70CCDC88-1025-7751-72C1-AA2793669DF7}"/>
+                <a16:creationId xmlns:a16="http://schemas.microsoft.com/office/drawing/2014/main" id="{E89766FC-A2A8-07E9-E09B-8AEFCB70B538}"/>
               </a:ext>
             </a:extLst>
           </p:cNvPr>
@@ -1245,7 +1245,7 @@
           <p:cNvPr id="3" name="Content Placeholder 2">
             <a:extLst>
               <a:ext uri="{FF2B5EF4-FFF2-40B4-BE49-F238E27FC236}">
-                <a16:creationId xmlns:a16="http://schemas.microsoft.com/office/drawing/2014/main" id="{2CE87444-6303-9144-F5E9-BCF6753FC7B9}"/>
+                <a16:creationId xmlns:a16="http://schemas.microsoft.com/office/drawing/2014/main" id="{038BA532-BDDF-D899-2164-5228D432AE4E}"/>
               </a:ext>
             </a:extLst>
           </p:cNvPr>
@@ -1302,7 +1302,7 @@
           <p:cNvPr id="4" name="Date Placeholder 3">
             <a:extLst>
               <a:ext uri="{FF2B5EF4-FFF2-40B4-BE49-F238E27FC236}">
-                <a16:creationId xmlns:a16="http://schemas.microsoft.com/office/drawing/2014/main" id="{BB2C05A4-BC18-425D-770F-C892C06DEB33}"/>
+                <a16:creationId xmlns:a16="http://schemas.microsoft.com/office/drawing/2014/main" id="{948AE079-B69F-F13B-01A5-EB9E1BB2F700}"/>
               </a:ext>
             </a:extLst>
           </p:cNvPr>
@@ -1318,9 +1318,9 @@
           <a:bodyPr/>
           <a:lstStyle/>
           <a:p>
-            <a:fld id="{5A99A290-CE3C-4F8E-9641-91AA30747E97}" type="datetimeFigureOut">
+            <a:fld id="{7F222CB0-F968-4A1F-A1FB-10FEC4E2F6E1}" type="datetimeFigureOut">
               <a:rPr lang="en-US" smtClean="0"/>
-              <a:t>4/20/2024</a:t>
+              <a:t>5/15/2024</a:t>
             </a:fld>
             <a:endParaRPr lang="en-US"/>
           </a:p>
@@ -1331,7 +1331,7 @@
           <p:cNvPr id="5" name="Footer Placeholder 4">
             <a:extLst>
               <a:ext uri="{FF2B5EF4-FFF2-40B4-BE49-F238E27FC236}">
-                <a16:creationId xmlns:a16="http://schemas.microsoft.com/office/drawing/2014/main" id="{990EEB41-A3A6-C8D6-0E38-FAD9AC37F41B}"/>
+                <a16:creationId xmlns:a16="http://schemas.microsoft.com/office/drawing/2014/main" id="{B7D5A7A2-8775-E912-7EFB-70245388A07D}"/>
               </a:ext>
             </a:extLst>
           </p:cNvPr>
@@ -1356,7 +1356,7 @@
           <p:cNvPr id="6" name="Slide Number Placeholder 5">
             <a:extLst>
               <a:ext uri="{FF2B5EF4-FFF2-40B4-BE49-F238E27FC236}">
-                <a16:creationId xmlns:a16="http://schemas.microsoft.com/office/drawing/2014/main" id="{6AA73643-3AB1-F898-D212-7EE8F444042C}"/>
+                <a16:creationId xmlns:a16="http://schemas.microsoft.com/office/drawing/2014/main" id="{67B4AFF3-F07A-5FC2-C6A9-65D766ECB3A3}"/>
               </a:ext>
             </a:extLst>
           </p:cNvPr>
@@ -1372,7 +1372,7 @@
           <a:bodyPr/>
           <a:lstStyle/>
           <a:p>
-            <a:fld id="{5B6BF0C4-D4F5-4B2F-848B-68D9790D66CA}" type="slidenum">
+            <a:fld id="{EE74A6CD-FF33-4F0D-A8EC-006063FDDA63}" type="slidenum">
               <a:rPr lang="en-US" smtClean="0"/>
               <a:t>‹#›</a:t>
             </a:fld>
@@ -1383,7 +1383,7 @@
     </p:spTree>
     <p:extLst>
       <p:ext uri="{BB962C8B-B14F-4D97-AF65-F5344CB8AC3E}">
-        <p14:creationId xmlns:p14="http://schemas.microsoft.com/office/powerpoint/2010/main" val="2984165219"/>
+        <p14:creationId xmlns:p14="http://schemas.microsoft.com/office/powerpoint/2010/main" val="2388890272"/>
       </p:ext>
     </p:extLst>
   </p:cSld>
@@ -1415,7 +1415,7 @@
           <p:cNvPr id="2" name="Title 1">
             <a:extLst>
               <a:ext uri="{FF2B5EF4-FFF2-40B4-BE49-F238E27FC236}">
-                <a16:creationId xmlns:a16="http://schemas.microsoft.com/office/drawing/2014/main" id="{A1CC7F2B-D405-8509-C1C2-2B309C4028F9}"/>
+                <a16:creationId xmlns:a16="http://schemas.microsoft.com/office/drawing/2014/main" id="{D23FC633-FC8A-0068-D548-F90B175338F4}"/>
               </a:ext>
             </a:extLst>
           </p:cNvPr>
@@ -1452,7 +1452,7 @@
           <p:cNvPr id="3" name="Text Placeholder 2">
             <a:extLst>
               <a:ext uri="{FF2B5EF4-FFF2-40B4-BE49-F238E27FC236}">
-                <a16:creationId xmlns:a16="http://schemas.microsoft.com/office/drawing/2014/main" id="{A5DADB3D-7F9C-4ABC-9A56-00FCC9DFA940}"/>
+                <a16:creationId xmlns:a16="http://schemas.microsoft.com/office/drawing/2014/main" id="{75F4F7A1-D3B8-76A0-621E-B396C13D4B6B}"/>
               </a:ext>
             </a:extLst>
           </p:cNvPr>
@@ -1577,7 +1577,7 @@
           <p:cNvPr id="4" name="Date Placeholder 3">
             <a:extLst>
               <a:ext uri="{FF2B5EF4-FFF2-40B4-BE49-F238E27FC236}">
-                <a16:creationId xmlns:a16="http://schemas.microsoft.com/office/drawing/2014/main" id="{EDD21B07-D9C1-3B07-ED87-627028E454F1}"/>
+                <a16:creationId xmlns:a16="http://schemas.microsoft.com/office/drawing/2014/main" id="{41151EB1-4A19-EF90-8EB0-E57C4DE27662}"/>
               </a:ext>
             </a:extLst>
           </p:cNvPr>
@@ -1593,9 +1593,9 @@
           <a:bodyPr/>
           <a:lstStyle/>
           <a:p>
-            <a:fld id="{5A99A290-CE3C-4F8E-9641-91AA30747E97}" type="datetimeFigureOut">
+            <a:fld id="{7F222CB0-F968-4A1F-A1FB-10FEC4E2F6E1}" type="datetimeFigureOut">
               <a:rPr lang="en-US" smtClean="0"/>
-              <a:t>4/20/2024</a:t>
+              <a:t>5/15/2024</a:t>
             </a:fld>
             <a:endParaRPr lang="en-US"/>
           </a:p>
@@ -1606,7 +1606,7 @@
           <p:cNvPr id="5" name="Footer Placeholder 4">
             <a:extLst>
               <a:ext uri="{FF2B5EF4-FFF2-40B4-BE49-F238E27FC236}">
-                <a16:creationId xmlns:a16="http://schemas.microsoft.com/office/drawing/2014/main" id="{1E840711-A6CB-EA1F-28D3-5E1B8332660C}"/>
+                <a16:creationId xmlns:a16="http://schemas.microsoft.com/office/drawing/2014/main" id="{01FFCAB4-F8DE-851E-04AD-B322322CEBCA}"/>
               </a:ext>
             </a:extLst>
           </p:cNvPr>
@@ -1631,7 +1631,7 @@
           <p:cNvPr id="6" name="Slide Number Placeholder 5">
             <a:extLst>
               <a:ext uri="{FF2B5EF4-FFF2-40B4-BE49-F238E27FC236}">
-                <a16:creationId xmlns:a16="http://schemas.microsoft.com/office/drawing/2014/main" id="{20178FE8-F9A2-35C4-8450-E40DCE818B74}"/>
+                <a16:creationId xmlns:a16="http://schemas.microsoft.com/office/drawing/2014/main" id="{9292FC7D-BDAD-AD36-16F0-C78ECC4B35CA}"/>
               </a:ext>
             </a:extLst>
           </p:cNvPr>
@@ -1647,7 +1647,7 @@
           <a:bodyPr/>
           <a:lstStyle/>
           <a:p>
-            <a:fld id="{5B6BF0C4-D4F5-4B2F-848B-68D9790D66CA}" type="slidenum">
+            <a:fld id="{EE74A6CD-FF33-4F0D-A8EC-006063FDDA63}" type="slidenum">
               <a:rPr lang="en-US" smtClean="0"/>
               <a:t>‹#›</a:t>
             </a:fld>
@@ -1658,7 +1658,7 @@
     </p:spTree>
     <p:extLst>
       <p:ext uri="{BB962C8B-B14F-4D97-AF65-F5344CB8AC3E}">
-        <p14:creationId xmlns:p14="http://schemas.microsoft.com/office/powerpoint/2010/main" val="537885070"/>
+        <p14:creationId xmlns:p14="http://schemas.microsoft.com/office/powerpoint/2010/main" val="673822069"/>
       </p:ext>
     </p:extLst>
   </p:cSld>
@@ -1690,7 +1690,7 @@
           <p:cNvPr id="2" name="Title 1">
             <a:extLst>
               <a:ext uri="{FF2B5EF4-FFF2-40B4-BE49-F238E27FC236}">
-                <a16:creationId xmlns:a16="http://schemas.microsoft.com/office/drawing/2014/main" id="{C23859EF-D321-7FAD-23D3-A6F097BA05E1}"/>
+                <a16:creationId xmlns:a16="http://schemas.microsoft.com/office/drawing/2014/main" id="{38B61D7A-9722-A208-8720-F4F05B547F5E}"/>
               </a:ext>
             </a:extLst>
           </p:cNvPr>
@@ -1718,7 +1718,7 @@
           <p:cNvPr id="3" name="Content Placeholder 2">
             <a:extLst>
               <a:ext uri="{FF2B5EF4-FFF2-40B4-BE49-F238E27FC236}">
-                <a16:creationId xmlns:a16="http://schemas.microsoft.com/office/drawing/2014/main" id="{05F87AD8-2839-F9A7-AF5A-23845A4F3476}"/>
+                <a16:creationId xmlns:a16="http://schemas.microsoft.com/office/drawing/2014/main" id="{E5AA50D5-F3D5-4493-86D8-91DD6A0695B9}"/>
               </a:ext>
             </a:extLst>
           </p:cNvPr>
@@ -1780,7 +1780,7 @@
           <p:cNvPr id="4" name="Content Placeholder 3">
             <a:extLst>
               <a:ext uri="{FF2B5EF4-FFF2-40B4-BE49-F238E27FC236}">
-                <a16:creationId xmlns:a16="http://schemas.microsoft.com/office/drawing/2014/main" id="{36DFC793-769B-15C5-4BEF-103CE83BF794}"/>
+                <a16:creationId xmlns:a16="http://schemas.microsoft.com/office/drawing/2014/main" id="{8D5F39A1-B21E-DA61-A371-0517061B2DBE}"/>
               </a:ext>
             </a:extLst>
           </p:cNvPr>
@@ -1842,7 +1842,7 @@
           <p:cNvPr id="5" name="Date Placeholder 4">
             <a:extLst>
               <a:ext uri="{FF2B5EF4-FFF2-40B4-BE49-F238E27FC236}">
-                <a16:creationId xmlns:a16="http://schemas.microsoft.com/office/drawing/2014/main" id="{3AA7DB16-7FB7-FCDA-63B3-82FDE0451B12}"/>
+                <a16:creationId xmlns:a16="http://schemas.microsoft.com/office/drawing/2014/main" id="{E8ADCE83-732E-3BB7-14F1-6FFD5668ECCE}"/>
               </a:ext>
             </a:extLst>
           </p:cNvPr>
@@ -1858,9 +1858,9 @@
           <a:bodyPr/>
           <a:lstStyle/>
           <a:p>
-            <a:fld id="{5A99A290-CE3C-4F8E-9641-91AA30747E97}" type="datetimeFigureOut">
+            <a:fld id="{7F222CB0-F968-4A1F-A1FB-10FEC4E2F6E1}" type="datetimeFigureOut">
               <a:rPr lang="en-US" smtClean="0"/>
-              <a:t>4/20/2024</a:t>
+              <a:t>5/15/2024</a:t>
             </a:fld>
             <a:endParaRPr lang="en-US"/>
           </a:p>
@@ -1871,7 +1871,7 @@
           <p:cNvPr id="6" name="Footer Placeholder 5">
             <a:extLst>
               <a:ext uri="{FF2B5EF4-FFF2-40B4-BE49-F238E27FC236}">
-                <a16:creationId xmlns:a16="http://schemas.microsoft.com/office/drawing/2014/main" id="{22B714AD-8819-2892-9F78-12FC33FB266D}"/>
+                <a16:creationId xmlns:a16="http://schemas.microsoft.com/office/drawing/2014/main" id="{0E90EE49-AF31-8C78-2A76-8FD38DC3F84C}"/>
               </a:ext>
             </a:extLst>
           </p:cNvPr>
@@ -1896,7 +1896,7 @@
           <p:cNvPr id="7" name="Slide Number Placeholder 6">
             <a:extLst>
               <a:ext uri="{FF2B5EF4-FFF2-40B4-BE49-F238E27FC236}">
-                <a16:creationId xmlns:a16="http://schemas.microsoft.com/office/drawing/2014/main" id="{ADA7E47A-EAC9-0DAB-DCE7-7740E2D982FF}"/>
+                <a16:creationId xmlns:a16="http://schemas.microsoft.com/office/drawing/2014/main" id="{C93E7746-D7AD-5EBA-11D8-631F7A1338E4}"/>
               </a:ext>
             </a:extLst>
           </p:cNvPr>
@@ -1912,7 +1912,7 @@
           <a:bodyPr/>
           <a:lstStyle/>
           <a:p>
-            <a:fld id="{5B6BF0C4-D4F5-4B2F-848B-68D9790D66CA}" type="slidenum">
+            <a:fld id="{EE74A6CD-FF33-4F0D-A8EC-006063FDDA63}" type="slidenum">
               <a:rPr lang="en-US" smtClean="0"/>
               <a:t>‹#›</a:t>
             </a:fld>
@@ -1923,7 +1923,7 @@
     </p:spTree>
     <p:extLst>
       <p:ext uri="{BB962C8B-B14F-4D97-AF65-F5344CB8AC3E}">
-        <p14:creationId xmlns:p14="http://schemas.microsoft.com/office/powerpoint/2010/main" val="4065554417"/>
+        <p14:creationId xmlns:p14="http://schemas.microsoft.com/office/powerpoint/2010/main" val="3701017816"/>
       </p:ext>
     </p:extLst>
   </p:cSld>
@@ -1955,7 +1955,7 @@
           <p:cNvPr id="2" name="Title 1">
             <a:extLst>
               <a:ext uri="{FF2B5EF4-FFF2-40B4-BE49-F238E27FC236}">
-                <a16:creationId xmlns:a16="http://schemas.microsoft.com/office/drawing/2014/main" id="{D0A9B735-8C25-AA0B-EECE-FDDF0E8D5396}"/>
+                <a16:creationId xmlns:a16="http://schemas.microsoft.com/office/drawing/2014/main" id="{1CF95104-9DCA-C960-AD45-0148021E6434}"/>
               </a:ext>
             </a:extLst>
           </p:cNvPr>
@@ -1988,7 +1988,7 @@
           <p:cNvPr id="3" name="Text Placeholder 2">
             <a:extLst>
               <a:ext uri="{FF2B5EF4-FFF2-40B4-BE49-F238E27FC236}">
-                <a16:creationId xmlns:a16="http://schemas.microsoft.com/office/drawing/2014/main" id="{DC00BDC8-7D2B-F5E9-9E2A-29CEE2862003}"/>
+                <a16:creationId xmlns:a16="http://schemas.microsoft.com/office/drawing/2014/main" id="{4EDD3B6F-F6E6-C0D7-C1E0-DF1402E1CADE}"/>
               </a:ext>
             </a:extLst>
           </p:cNvPr>
@@ -2059,7 +2059,7 @@
           <p:cNvPr id="4" name="Content Placeholder 3">
             <a:extLst>
               <a:ext uri="{FF2B5EF4-FFF2-40B4-BE49-F238E27FC236}">
-                <a16:creationId xmlns:a16="http://schemas.microsoft.com/office/drawing/2014/main" id="{E40E395D-FAAF-DA21-61DA-80C4BBC2E392}"/>
+                <a16:creationId xmlns:a16="http://schemas.microsoft.com/office/drawing/2014/main" id="{EF36D88D-C36D-3E4A-F20D-093865382DD0}"/>
               </a:ext>
             </a:extLst>
           </p:cNvPr>
@@ -2121,7 +2121,7 @@
           <p:cNvPr id="5" name="Text Placeholder 4">
             <a:extLst>
               <a:ext uri="{FF2B5EF4-FFF2-40B4-BE49-F238E27FC236}">
-                <a16:creationId xmlns:a16="http://schemas.microsoft.com/office/drawing/2014/main" id="{80A3077F-5184-5F30-3ECA-29E351DA2DF5}"/>
+                <a16:creationId xmlns:a16="http://schemas.microsoft.com/office/drawing/2014/main" id="{4EA98288-A58D-1C30-A255-5962045A910D}"/>
               </a:ext>
             </a:extLst>
           </p:cNvPr>
@@ -2192,7 +2192,7 @@
           <p:cNvPr id="6" name="Content Placeholder 5">
             <a:extLst>
               <a:ext uri="{FF2B5EF4-FFF2-40B4-BE49-F238E27FC236}">
-                <a16:creationId xmlns:a16="http://schemas.microsoft.com/office/drawing/2014/main" id="{EEB5D97E-0405-EC1B-4936-828BC8E810F5}"/>
+                <a16:creationId xmlns:a16="http://schemas.microsoft.com/office/drawing/2014/main" id="{56E520BC-1272-D32E-A04D-A61D9A98F455}"/>
               </a:ext>
             </a:extLst>
           </p:cNvPr>
@@ -2254,7 +2254,7 @@
           <p:cNvPr id="7" name="Date Placeholder 6">
             <a:extLst>
               <a:ext uri="{FF2B5EF4-FFF2-40B4-BE49-F238E27FC236}">
-                <a16:creationId xmlns:a16="http://schemas.microsoft.com/office/drawing/2014/main" id="{28B1A8C6-9F78-AFE8-5BE3-AC17A63FE09E}"/>
+                <a16:creationId xmlns:a16="http://schemas.microsoft.com/office/drawing/2014/main" id="{2734AAF9-9E87-185F-68E8-D2CD9B2A87AE}"/>
               </a:ext>
             </a:extLst>
           </p:cNvPr>
@@ -2270,9 +2270,9 @@
           <a:bodyPr/>
           <a:lstStyle/>
           <a:p>
-            <a:fld id="{5A99A290-CE3C-4F8E-9641-91AA30747E97}" type="datetimeFigureOut">
+            <a:fld id="{7F222CB0-F968-4A1F-A1FB-10FEC4E2F6E1}" type="datetimeFigureOut">
               <a:rPr lang="en-US" smtClean="0"/>
-              <a:t>4/20/2024</a:t>
+              <a:t>5/15/2024</a:t>
             </a:fld>
             <a:endParaRPr lang="en-US"/>
           </a:p>
@@ -2283,7 +2283,7 @@
           <p:cNvPr id="8" name="Footer Placeholder 7">
             <a:extLst>
               <a:ext uri="{FF2B5EF4-FFF2-40B4-BE49-F238E27FC236}">
-                <a16:creationId xmlns:a16="http://schemas.microsoft.com/office/drawing/2014/main" id="{2CCE0CFA-D32B-1DA4-AAFA-599D3B78767B}"/>
+                <a16:creationId xmlns:a16="http://schemas.microsoft.com/office/drawing/2014/main" id="{2553FABA-BE27-F887-D9A3-C6713633628A}"/>
               </a:ext>
             </a:extLst>
           </p:cNvPr>
@@ -2308,7 +2308,7 @@
           <p:cNvPr id="9" name="Slide Number Placeholder 8">
             <a:extLst>
               <a:ext uri="{FF2B5EF4-FFF2-40B4-BE49-F238E27FC236}">
-                <a16:creationId xmlns:a16="http://schemas.microsoft.com/office/drawing/2014/main" id="{F4B89062-D430-FF44-925A-BBA8AA683C6B}"/>
+                <a16:creationId xmlns:a16="http://schemas.microsoft.com/office/drawing/2014/main" id="{12A365E3-B012-7DF5-7E73-B2B731659C6A}"/>
               </a:ext>
             </a:extLst>
           </p:cNvPr>
@@ -2324,7 +2324,7 @@
           <a:bodyPr/>
           <a:lstStyle/>
           <a:p>
-            <a:fld id="{5B6BF0C4-D4F5-4B2F-848B-68D9790D66CA}" type="slidenum">
+            <a:fld id="{EE74A6CD-FF33-4F0D-A8EC-006063FDDA63}" type="slidenum">
               <a:rPr lang="en-US" smtClean="0"/>
               <a:t>‹#›</a:t>
             </a:fld>
@@ -2335,7 +2335,7 @@
     </p:spTree>
     <p:extLst>
       <p:ext uri="{BB962C8B-B14F-4D97-AF65-F5344CB8AC3E}">
-        <p14:creationId xmlns:p14="http://schemas.microsoft.com/office/powerpoint/2010/main" val="687470478"/>
+        <p14:creationId xmlns:p14="http://schemas.microsoft.com/office/powerpoint/2010/main" val="3893765845"/>
       </p:ext>
     </p:extLst>
   </p:cSld>
@@ -2367,7 +2367,7 @@
           <p:cNvPr id="2" name="Title 1">
             <a:extLst>
               <a:ext uri="{FF2B5EF4-FFF2-40B4-BE49-F238E27FC236}">
-                <a16:creationId xmlns:a16="http://schemas.microsoft.com/office/drawing/2014/main" id="{071714B9-CAF3-87F5-9FE3-B29B66108F21}"/>
+                <a16:creationId xmlns:a16="http://schemas.microsoft.com/office/drawing/2014/main" id="{A32C9BC0-7692-453A-0571-C33BE67A3AF1}"/>
               </a:ext>
             </a:extLst>
           </p:cNvPr>
@@ -2395,7 +2395,7 @@
           <p:cNvPr id="3" name="Date Placeholder 2">
             <a:extLst>
               <a:ext uri="{FF2B5EF4-FFF2-40B4-BE49-F238E27FC236}">
-                <a16:creationId xmlns:a16="http://schemas.microsoft.com/office/drawing/2014/main" id="{8F36F9B5-33F0-4AFA-CB83-1C3A9F2879B5}"/>
+                <a16:creationId xmlns:a16="http://schemas.microsoft.com/office/drawing/2014/main" id="{E1E4F7F0-027F-3FE3-6B2F-A5D8D67BB3A6}"/>
               </a:ext>
             </a:extLst>
           </p:cNvPr>
@@ -2411,9 +2411,9 @@
           <a:bodyPr/>
           <a:lstStyle/>
           <a:p>
-            <a:fld id="{5A99A290-CE3C-4F8E-9641-91AA30747E97}" type="datetimeFigureOut">
+            <a:fld id="{7F222CB0-F968-4A1F-A1FB-10FEC4E2F6E1}" type="datetimeFigureOut">
               <a:rPr lang="en-US" smtClean="0"/>
-              <a:t>4/20/2024</a:t>
+              <a:t>5/15/2024</a:t>
             </a:fld>
             <a:endParaRPr lang="en-US"/>
           </a:p>
@@ -2424,7 +2424,7 @@
           <p:cNvPr id="4" name="Footer Placeholder 3">
             <a:extLst>
               <a:ext uri="{FF2B5EF4-FFF2-40B4-BE49-F238E27FC236}">
-                <a16:creationId xmlns:a16="http://schemas.microsoft.com/office/drawing/2014/main" id="{673E6CE9-CBC4-AFFC-9FB5-91E4F483E362}"/>
+                <a16:creationId xmlns:a16="http://schemas.microsoft.com/office/drawing/2014/main" id="{AF3D0D2A-F97C-96D6-B53A-D68F0C5D7C65}"/>
               </a:ext>
             </a:extLst>
           </p:cNvPr>
@@ -2449,7 +2449,7 @@
           <p:cNvPr id="5" name="Slide Number Placeholder 4">
             <a:extLst>
               <a:ext uri="{FF2B5EF4-FFF2-40B4-BE49-F238E27FC236}">
-                <a16:creationId xmlns:a16="http://schemas.microsoft.com/office/drawing/2014/main" id="{CBB19A88-A3A9-BCB6-7F1A-2A49EA88DF4E}"/>
+                <a16:creationId xmlns:a16="http://schemas.microsoft.com/office/drawing/2014/main" id="{FF84A751-A9AE-4CB1-DA2F-CAA002607E44}"/>
               </a:ext>
             </a:extLst>
           </p:cNvPr>
@@ -2465,7 +2465,7 @@
           <a:bodyPr/>
           <a:lstStyle/>
           <a:p>
-            <a:fld id="{5B6BF0C4-D4F5-4B2F-848B-68D9790D66CA}" type="slidenum">
+            <a:fld id="{EE74A6CD-FF33-4F0D-A8EC-006063FDDA63}" type="slidenum">
               <a:rPr lang="en-US" smtClean="0"/>
               <a:t>‹#›</a:t>
             </a:fld>
@@ -2476,7 +2476,7 @@
     </p:spTree>
     <p:extLst>
       <p:ext uri="{BB962C8B-B14F-4D97-AF65-F5344CB8AC3E}">
-        <p14:creationId xmlns:p14="http://schemas.microsoft.com/office/powerpoint/2010/main" val="2996802168"/>
+        <p14:creationId xmlns:p14="http://schemas.microsoft.com/office/powerpoint/2010/main" val="2683142681"/>
       </p:ext>
     </p:extLst>
   </p:cSld>
@@ -2508,7 +2508,7 @@
           <p:cNvPr id="2" name="Date Placeholder 1">
             <a:extLst>
               <a:ext uri="{FF2B5EF4-FFF2-40B4-BE49-F238E27FC236}">
-                <a16:creationId xmlns:a16="http://schemas.microsoft.com/office/drawing/2014/main" id="{58EB20D7-00DF-771A-3212-85348605E4EB}"/>
+                <a16:creationId xmlns:a16="http://schemas.microsoft.com/office/drawing/2014/main" id="{DAA3954A-92E5-6A99-0AEB-DA75CB12A174}"/>
               </a:ext>
             </a:extLst>
           </p:cNvPr>
@@ -2524,9 +2524,9 @@
           <a:bodyPr/>
           <a:lstStyle/>
           <a:p>
-            <a:fld id="{5A99A290-CE3C-4F8E-9641-91AA30747E97}" type="datetimeFigureOut">
+            <a:fld id="{7F222CB0-F968-4A1F-A1FB-10FEC4E2F6E1}" type="datetimeFigureOut">
               <a:rPr lang="en-US" smtClean="0"/>
-              <a:t>4/20/2024</a:t>
+              <a:t>5/15/2024</a:t>
             </a:fld>
             <a:endParaRPr lang="en-US"/>
           </a:p>
@@ -2537,7 +2537,7 @@
           <p:cNvPr id="3" name="Footer Placeholder 2">
             <a:extLst>
               <a:ext uri="{FF2B5EF4-FFF2-40B4-BE49-F238E27FC236}">
-                <a16:creationId xmlns:a16="http://schemas.microsoft.com/office/drawing/2014/main" id="{3A2EA5F8-15ED-33E5-0C96-4AB36C83D84A}"/>
+                <a16:creationId xmlns:a16="http://schemas.microsoft.com/office/drawing/2014/main" id="{FC500499-148F-DBC6-12CE-8FD79C9ADDFA}"/>
               </a:ext>
             </a:extLst>
           </p:cNvPr>
@@ -2562,7 +2562,7 @@
           <p:cNvPr id="4" name="Slide Number Placeholder 3">
             <a:extLst>
               <a:ext uri="{FF2B5EF4-FFF2-40B4-BE49-F238E27FC236}">
-                <a16:creationId xmlns:a16="http://schemas.microsoft.com/office/drawing/2014/main" id="{DD107262-2F78-3AF1-F73A-E0EB9BADD2AF}"/>
+                <a16:creationId xmlns:a16="http://schemas.microsoft.com/office/drawing/2014/main" id="{717B4912-F065-AC29-64AC-299F42D6456D}"/>
               </a:ext>
             </a:extLst>
           </p:cNvPr>
@@ -2578,7 +2578,7 @@
           <a:bodyPr/>
           <a:lstStyle/>
           <a:p>
-            <a:fld id="{5B6BF0C4-D4F5-4B2F-848B-68D9790D66CA}" type="slidenum">
+            <a:fld id="{EE74A6CD-FF33-4F0D-A8EC-006063FDDA63}" type="slidenum">
               <a:rPr lang="en-US" smtClean="0"/>
               <a:t>‹#›</a:t>
             </a:fld>
@@ -2589,7 +2589,7 @@
     </p:spTree>
     <p:extLst>
       <p:ext uri="{BB962C8B-B14F-4D97-AF65-F5344CB8AC3E}">
-        <p14:creationId xmlns:p14="http://schemas.microsoft.com/office/powerpoint/2010/main" val="3457910615"/>
+        <p14:creationId xmlns:p14="http://schemas.microsoft.com/office/powerpoint/2010/main" val="2369994455"/>
       </p:ext>
     </p:extLst>
   </p:cSld>
@@ -2621,7 +2621,7 @@
           <p:cNvPr id="2" name="Title 1">
             <a:extLst>
               <a:ext uri="{FF2B5EF4-FFF2-40B4-BE49-F238E27FC236}">
-                <a16:creationId xmlns:a16="http://schemas.microsoft.com/office/drawing/2014/main" id="{8DD9D52D-AD20-2087-83CE-2CB69F62EE39}"/>
+                <a16:creationId xmlns:a16="http://schemas.microsoft.com/office/drawing/2014/main" id="{5BA15258-EFA4-421B-2D3D-27BD7282567D}"/>
               </a:ext>
             </a:extLst>
           </p:cNvPr>
@@ -2658,7 +2658,7 @@
           <p:cNvPr id="3" name="Content Placeholder 2">
             <a:extLst>
               <a:ext uri="{FF2B5EF4-FFF2-40B4-BE49-F238E27FC236}">
-                <a16:creationId xmlns:a16="http://schemas.microsoft.com/office/drawing/2014/main" id="{8A0E42DF-71CE-C3B6-CA86-ECCF2D974189}"/>
+                <a16:creationId xmlns:a16="http://schemas.microsoft.com/office/drawing/2014/main" id="{1A6CF62D-59C8-AACF-F770-AE7CD0067D32}"/>
               </a:ext>
             </a:extLst>
           </p:cNvPr>
@@ -2748,7 +2748,7 @@
           <p:cNvPr id="4" name="Text Placeholder 3">
             <a:extLst>
               <a:ext uri="{FF2B5EF4-FFF2-40B4-BE49-F238E27FC236}">
-                <a16:creationId xmlns:a16="http://schemas.microsoft.com/office/drawing/2014/main" id="{A0B75775-FE84-76AB-5593-5913ECB8B04F}"/>
+                <a16:creationId xmlns:a16="http://schemas.microsoft.com/office/drawing/2014/main" id="{588F9FE9-B9FF-9DF2-8976-290BA1CEC7D2}"/>
               </a:ext>
             </a:extLst>
           </p:cNvPr>
@@ -2819,7 +2819,7 @@
           <p:cNvPr id="5" name="Date Placeholder 4">
             <a:extLst>
               <a:ext uri="{FF2B5EF4-FFF2-40B4-BE49-F238E27FC236}">
-                <a16:creationId xmlns:a16="http://schemas.microsoft.com/office/drawing/2014/main" id="{D8EFC24A-C623-DD28-E968-45354C4E1CE8}"/>
+                <a16:creationId xmlns:a16="http://schemas.microsoft.com/office/drawing/2014/main" id="{F1F2CD06-785B-4C85-FFA2-632F68C167AF}"/>
               </a:ext>
             </a:extLst>
           </p:cNvPr>
@@ -2835,9 +2835,9 @@
           <a:bodyPr/>
           <a:lstStyle/>
           <a:p>
-            <a:fld id="{5A99A290-CE3C-4F8E-9641-91AA30747E97}" type="datetimeFigureOut">
+            <a:fld id="{7F222CB0-F968-4A1F-A1FB-10FEC4E2F6E1}" type="datetimeFigureOut">
               <a:rPr lang="en-US" smtClean="0"/>
-              <a:t>4/20/2024</a:t>
+              <a:t>5/15/2024</a:t>
             </a:fld>
             <a:endParaRPr lang="en-US"/>
           </a:p>
@@ -2848,7 +2848,7 @@
           <p:cNvPr id="6" name="Footer Placeholder 5">
             <a:extLst>
               <a:ext uri="{FF2B5EF4-FFF2-40B4-BE49-F238E27FC236}">
-                <a16:creationId xmlns:a16="http://schemas.microsoft.com/office/drawing/2014/main" id="{8645D7B8-1EBC-4E16-1DF2-6BB92A4F7A39}"/>
+                <a16:creationId xmlns:a16="http://schemas.microsoft.com/office/drawing/2014/main" id="{63136A80-7B6C-9EA6-65D6-FAD55969C34F}"/>
               </a:ext>
             </a:extLst>
           </p:cNvPr>
@@ -2873,7 +2873,7 @@
           <p:cNvPr id="7" name="Slide Number Placeholder 6">
             <a:extLst>
               <a:ext uri="{FF2B5EF4-FFF2-40B4-BE49-F238E27FC236}">
-                <a16:creationId xmlns:a16="http://schemas.microsoft.com/office/drawing/2014/main" id="{BBD13024-FBA0-BB57-F15B-FD1979BDE4EB}"/>
+                <a16:creationId xmlns:a16="http://schemas.microsoft.com/office/drawing/2014/main" id="{44C3116A-0951-D391-D239-BE66EE88D439}"/>
               </a:ext>
             </a:extLst>
           </p:cNvPr>
@@ -2889,7 +2889,7 @@
           <a:bodyPr/>
           <a:lstStyle/>
           <a:p>
-            <a:fld id="{5B6BF0C4-D4F5-4B2F-848B-68D9790D66CA}" type="slidenum">
+            <a:fld id="{EE74A6CD-FF33-4F0D-A8EC-006063FDDA63}" type="slidenum">
               <a:rPr lang="en-US" smtClean="0"/>
               <a:t>‹#›</a:t>
             </a:fld>
@@ -2900,7 +2900,7 @@
     </p:spTree>
     <p:extLst>
       <p:ext uri="{BB962C8B-B14F-4D97-AF65-F5344CB8AC3E}">
-        <p14:creationId xmlns:p14="http://schemas.microsoft.com/office/powerpoint/2010/main" val="729174616"/>
+        <p14:creationId xmlns:p14="http://schemas.microsoft.com/office/powerpoint/2010/main" val="2478402136"/>
       </p:ext>
     </p:extLst>
   </p:cSld>
@@ -2932,7 +2932,7 @@
           <p:cNvPr id="2" name="Title 1">
             <a:extLst>
               <a:ext uri="{FF2B5EF4-FFF2-40B4-BE49-F238E27FC236}">
-                <a16:creationId xmlns:a16="http://schemas.microsoft.com/office/drawing/2014/main" id="{A0AECD6A-9F98-0E77-67DB-3996E3341395}"/>
+                <a16:creationId xmlns:a16="http://schemas.microsoft.com/office/drawing/2014/main" id="{64B4E1EB-794E-CB36-C436-BAD18C20826B}"/>
               </a:ext>
             </a:extLst>
           </p:cNvPr>
@@ -2969,7 +2969,7 @@
           <p:cNvPr id="3" name="Picture Placeholder 2">
             <a:extLst>
               <a:ext uri="{FF2B5EF4-FFF2-40B4-BE49-F238E27FC236}">
-                <a16:creationId xmlns:a16="http://schemas.microsoft.com/office/drawing/2014/main" id="{EE20526D-4250-E351-70B1-718AEBE7DADE}"/>
+                <a16:creationId xmlns:a16="http://schemas.microsoft.com/office/drawing/2014/main" id="{0FF9357A-FEA7-BDC1-B6DC-29C7B2556E08}"/>
               </a:ext>
             </a:extLst>
           </p:cNvPr>
@@ -3036,7 +3036,7 @@
           <p:cNvPr id="4" name="Text Placeholder 3">
             <a:extLst>
               <a:ext uri="{FF2B5EF4-FFF2-40B4-BE49-F238E27FC236}">
-                <a16:creationId xmlns:a16="http://schemas.microsoft.com/office/drawing/2014/main" id="{0430AE2A-9339-6A7A-5F93-2CA79384B082}"/>
+                <a16:creationId xmlns:a16="http://schemas.microsoft.com/office/drawing/2014/main" id="{BD251100-BF59-8B0E-0892-3407E13D833C}"/>
               </a:ext>
             </a:extLst>
           </p:cNvPr>
@@ -3107,7 +3107,7 @@
           <p:cNvPr id="5" name="Date Placeholder 4">
             <a:extLst>
               <a:ext uri="{FF2B5EF4-FFF2-40B4-BE49-F238E27FC236}">
-                <a16:creationId xmlns:a16="http://schemas.microsoft.com/office/drawing/2014/main" id="{4605F380-3FCA-3A75-E080-A60A1F15B4BE}"/>
+                <a16:creationId xmlns:a16="http://schemas.microsoft.com/office/drawing/2014/main" id="{5BA4C89C-1447-AD16-BAC1-9B2D310CB14B}"/>
               </a:ext>
             </a:extLst>
           </p:cNvPr>
@@ -3123,9 +3123,9 @@
           <a:bodyPr/>
           <a:lstStyle/>
           <a:p>
-            <a:fld id="{5A99A290-CE3C-4F8E-9641-91AA30747E97}" type="datetimeFigureOut">
+            <a:fld id="{7F222CB0-F968-4A1F-A1FB-10FEC4E2F6E1}" type="datetimeFigureOut">
               <a:rPr lang="en-US" smtClean="0"/>
-              <a:t>4/20/2024</a:t>
+              <a:t>5/15/2024</a:t>
             </a:fld>
             <a:endParaRPr lang="en-US"/>
           </a:p>
@@ -3136,7 +3136,7 @@
           <p:cNvPr id="6" name="Footer Placeholder 5">
             <a:extLst>
               <a:ext uri="{FF2B5EF4-FFF2-40B4-BE49-F238E27FC236}">
-                <a16:creationId xmlns:a16="http://schemas.microsoft.com/office/drawing/2014/main" id="{74FAA372-8A89-CDAC-23A5-4FF4AF42747F}"/>
+                <a16:creationId xmlns:a16="http://schemas.microsoft.com/office/drawing/2014/main" id="{D8B10F83-8F34-1A75-FB83-3F8A4CC2EEB1}"/>
               </a:ext>
             </a:extLst>
           </p:cNvPr>
@@ -3161,7 +3161,7 @@
           <p:cNvPr id="7" name="Slide Number Placeholder 6">
             <a:extLst>
               <a:ext uri="{FF2B5EF4-FFF2-40B4-BE49-F238E27FC236}">
-                <a16:creationId xmlns:a16="http://schemas.microsoft.com/office/drawing/2014/main" id="{1ABE94B4-B9F1-BB6C-3A87-F21563D51683}"/>
+                <a16:creationId xmlns:a16="http://schemas.microsoft.com/office/drawing/2014/main" id="{32029558-2FB5-DDD2-AB65-0D6D1F138043}"/>
               </a:ext>
             </a:extLst>
           </p:cNvPr>
@@ -3177,7 +3177,7 @@
           <a:bodyPr/>
           <a:lstStyle/>
           <a:p>
-            <a:fld id="{5B6BF0C4-D4F5-4B2F-848B-68D9790D66CA}" type="slidenum">
+            <a:fld id="{EE74A6CD-FF33-4F0D-A8EC-006063FDDA63}" type="slidenum">
               <a:rPr lang="en-US" smtClean="0"/>
               <a:t>‹#›</a:t>
             </a:fld>
@@ -3188,7 +3188,7 @@
     </p:spTree>
     <p:extLst>
       <p:ext uri="{BB962C8B-B14F-4D97-AF65-F5344CB8AC3E}">
-        <p14:creationId xmlns:p14="http://schemas.microsoft.com/office/powerpoint/2010/main" val="2891195049"/>
+        <p14:creationId xmlns:p14="http://schemas.microsoft.com/office/powerpoint/2010/main" val="581534978"/>
       </p:ext>
     </p:extLst>
   </p:cSld>
@@ -3225,7 +3225,7 @@
           <p:cNvPr id="2" name="Title Placeholder 1">
             <a:extLst>
               <a:ext uri="{FF2B5EF4-FFF2-40B4-BE49-F238E27FC236}">
-                <a16:creationId xmlns:a16="http://schemas.microsoft.com/office/drawing/2014/main" id="{1FEC5B6D-C8B5-1AFA-5966-FB7DB5CAAE33}"/>
+                <a16:creationId xmlns:a16="http://schemas.microsoft.com/office/drawing/2014/main" id="{60637165-80D4-D755-ED60-C3B5A19BE9CA}"/>
               </a:ext>
             </a:extLst>
           </p:cNvPr>
@@ -3263,7 +3263,7 @@
           <p:cNvPr id="3" name="Text Placeholder 2">
             <a:extLst>
               <a:ext uri="{FF2B5EF4-FFF2-40B4-BE49-F238E27FC236}">
-                <a16:creationId xmlns:a16="http://schemas.microsoft.com/office/drawing/2014/main" id="{49057F67-7658-8603-2FED-3B238BC5A68E}"/>
+                <a16:creationId xmlns:a16="http://schemas.microsoft.com/office/drawing/2014/main" id="{8A1B19B7-B61F-C91B-577E-765285F7C37F}"/>
               </a:ext>
             </a:extLst>
           </p:cNvPr>
@@ -3330,7 +3330,7 @@
           <p:cNvPr id="4" name="Date Placeholder 3">
             <a:extLst>
               <a:ext uri="{FF2B5EF4-FFF2-40B4-BE49-F238E27FC236}">
-                <a16:creationId xmlns:a16="http://schemas.microsoft.com/office/drawing/2014/main" id="{0DC394E0-33B5-2C54-1B61-B6F13906933D}"/>
+                <a16:creationId xmlns:a16="http://schemas.microsoft.com/office/drawing/2014/main" id="{9AC60936-60B3-5101-3298-94CA89F5867C}"/>
               </a:ext>
             </a:extLst>
           </p:cNvPr>
@@ -3364,9 +3364,9 @@
             </a:lvl1pPr>
           </a:lstStyle>
           <a:p>
-            <a:fld id="{5A99A290-CE3C-4F8E-9641-91AA30747E97}" type="datetimeFigureOut">
+            <a:fld id="{7F222CB0-F968-4A1F-A1FB-10FEC4E2F6E1}" type="datetimeFigureOut">
               <a:rPr lang="en-US" smtClean="0"/>
-              <a:t>4/20/2024</a:t>
+              <a:t>5/15/2024</a:t>
             </a:fld>
             <a:endParaRPr lang="en-US"/>
           </a:p>
@@ -3377,7 +3377,7 @@
           <p:cNvPr id="5" name="Footer Placeholder 4">
             <a:extLst>
               <a:ext uri="{FF2B5EF4-FFF2-40B4-BE49-F238E27FC236}">
-                <a16:creationId xmlns:a16="http://schemas.microsoft.com/office/drawing/2014/main" id="{C561D22A-70BB-9DC1-3C97-F29B152DB266}"/>
+                <a16:creationId xmlns:a16="http://schemas.microsoft.com/office/drawing/2014/main" id="{A7464EEC-959B-A30B-C3B5-8B14193B71D7}"/>
               </a:ext>
             </a:extLst>
           </p:cNvPr>
@@ -3420,7 +3420,7 @@
           <p:cNvPr id="6" name="Slide Number Placeholder 5">
             <a:extLst>
               <a:ext uri="{FF2B5EF4-FFF2-40B4-BE49-F238E27FC236}">
-                <a16:creationId xmlns:a16="http://schemas.microsoft.com/office/drawing/2014/main" id="{F623749F-19B4-C778-0CF6-9C46D84BC408}"/>
+                <a16:creationId xmlns:a16="http://schemas.microsoft.com/office/drawing/2014/main" id="{54826578-0C62-F0A2-DEA1-02FFC3AD90AB}"/>
               </a:ext>
             </a:extLst>
           </p:cNvPr>
@@ -3454,7 +3454,7 @@
             </a:lvl1pPr>
           </a:lstStyle>
           <a:p>
-            <a:fld id="{5B6BF0C4-D4F5-4B2F-848B-68D9790D66CA}" type="slidenum">
+            <a:fld id="{EE74A6CD-FF33-4F0D-A8EC-006063FDDA63}" type="slidenum">
               <a:rPr lang="en-US" smtClean="0"/>
               <a:t>‹#›</a:t>
             </a:fld>
@@ -3465,7 +3465,7 @@
     </p:spTree>
     <p:extLst>
       <p:ext uri="{BB962C8B-B14F-4D97-AF65-F5344CB8AC3E}">
-        <p14:creationId xmlns:p14="http://schemas.microsoft.com/office/powerpoint/2010/main" val="3864620723"/>
+        <p14:creationId xmlns:p14="http://schemas.microsoft.com/office/powerpoint/2010/main" val="1884851804"/>
       </p:ext>
     </p:extLst>
   </p:cSld>
@@ -3840,6 +3840,40 @@
         <p:txBody>
           <a:bodyPr/>
           <a:lstStyle/>
+          <a:p>
+            <a:r>
+              <a:rPr lang="th-TH" dirty="0">
+                <a:latin typeface="TH SarabunPSK" panose="020B0500040200020003" pitchFamily="34" charset="-34"/>
+                <a:cs typeface="TH SarabunPSK" panose="020B0500040200020003" pitchFamily="34" charset="-34"/>
+              </a:rPr>
+              <a:t>บทที่ 3 โปรแกรมวนซ้ำและการใช้เงื่อนไขในภาษาไพธอน</a:t>
+            </a:r>
+            <a:r>
+              <a:rPr lang="en-US" dirty="0">
+                <a:latin typeface="TH SarabunPSK" panose="020B0500040200020003" pitchFamily="34" charset="-34"/>
+                <a:cs typeface="TH SarabunPSK" panose="020B0500040200020003" pitchFamily="34" charset="-34"/>
+              </a:rPr>
+              <a:t> (</a:t>
+            </a:r>
+            <a:r>
+              <a:rPr lang="th-TH" dirty="0">
+                <a:latin typeface="TH SarabunPSK" panose="020B0500040200020003" pitchFamily="34" charset="-34"/>
+                <a:cs typeface="TH SarabunPSK" panose="020B0500040200020003" pitchFamily="34" charset="-34"/>
+              </a:rPr>
+              <a:t>ต่อ</a:t>
+            </a:r>
+            <a:r>
+              <a:rPr lang="en-US" dirty="0">
+                <a:latin typeface="TH SarabunPSK" panose="020B0500040200020003" pitchFamily="34" charset="-34"/>
+                <a:cs typeface="TH SarabunPSK" panose="020B0500040200020003" pitchFamily="34" charset="-34"/>
+              </a:rPr>
+              <a:t>)</a:t>
+            </a:r>
+            <a:endParaRPr lang="th-TH" dirty="0">
+              <a:latin typeface="TH SarabunPSK" panose="020B0500040200020003" pitchFamily="34" charset="-34"/>
+              <a:cs typeface="TH SarabunPSK" panose="020B0500040200020003" pitchFamily="34" charset="-34"/>
+            </a:endParaRPr>
+          </a:p>
           <a:p>
             <a:r>
               <a:rPr lang="en-US" dirty="0" err="1">

--- a/PPT/Class period 4.pptx
+++ b/PPT/Class period 4.pptx
@@ -133,6 +133,11 @@
       </a:defRPr>
     </a:lvl9pPr>
   </p:defaultTextStyle>
+  <p:extLst>
+    <p:ext uri="{EFAFB233-063F-42B5-8137-9DF3F51BA10A}">
+      <p15:sldGuideLst xmlns:p15="http://schemas.microsoft.com/office/powerpoint/2012/main"/>
+    </p:ext>
+  </p:extLst>
 </p:presentation>
 </file>
 
@@ -218,7 +223,7 @@
           <a:p>
             <a:fld id="{D34CB13F-99AF-4416-9B52-5F7C10DE4F9E}" type="datetimeFigureOut">
               <a:rPr lang="en-US" smtClean="0"/>
-              <a:t>5/15/2024</a:t>
+              <a:t>6/17/2024</a:t>
             </a:fld>
             <a:endParaRPr lang="en-US"/>
           </a:p>
@@ -716,7 +721,7 @@
           <a:p>
             <a:fld id="{7F222CB0-F968-4A1F-A1FB-10FEC4E2F6E1}" type="datetimeFigureOut">
               <a:rPr lang="en-US" smtClean="0"/>
-              <a:t>5/15/2024</a:t>
+              <a:t>6/17/2024</a:t>
             </a:fld>
             <a:endParaRPr lang="en-US"/>
           </a:p>
@@ -914,7 +919,7 @@
           <a:p>
             <a:fld id="{7F222CB0-F968-4A1F-A1FB-10FEC4E2F6E1}" type="datetimeFigureOut">
               <a:rPr lang="en-US" smtClean="0"/>
-              <a:t>5/15/2024</a:t>
+              <a:t>6/17/2024</a:t>
             </a:fld>
             <a:endParaRPr lang="en-US"/>
           </a:p>
@@ -1122,7 +1127,7 @@
           <a:p>
             <a:fld id="{7F222CB0-F968-4A1F-A1FB-10FEC4E2F6E1}" type="datetimeFigureOut">
               <a:rPr lang="en-US" smtClean="0"/>
-              <a:t>5/15/2024</a:t>
+              <a:t>6/17/2024</a:t>
             </a:fld>
             <a:endParaRPr lang="en-US"/>
           </a:p>
@@ -1320,7 +1325,7 @@
           <a:p>
             <a:fld id="{7F222CB0-F968-4A1F-A1FB-10FEC4E2F6E1}" type="datetimeFigureOut">
               <a:rPr lang="en-US" smtClean="0"/>
-              <a:t>5/15/2024</a:t>
+              <a:t>6/17/2024</a:t>
             </a:fld>
             <a:endParaRPr lang="en-US"/>
           </a:p>
@@ -1595,7 +1600,7 @@
           <a:p>
             <a:fld id="{7F222CB0-F968-4A1F-A1FB-10FEC4E2F6E1}" type="datetimeFigureOut">
               <a:rPr lang="en-US" smtClean="0"/>
-              <a:t>5/15/2024</a:t>
+              <a:t>6/17/2024</a:t>
             </a:fld>
             <a:endParaRPr lang="en-US"/>
           </a:p>
@@ -1860,7 +1865,7 @@
           <a:p>
             <a:fld id="{7F222CB0-F968-4A1F-A1FB-10FEC4E2F6E1}" type="datetimeFigureOut">
               <a:rPr lang="en-US" smtClean="0"/>
-              <a:t>5/15/2024</a:t>
+              <a:t>6/17/2024</a:t>
             </a:fld>
             <a:endParaRPr lang="en-US"/>
           </a:p>
@@ -2272,7 +2277,7 @@
           <a:p>
             <a:fld id="{7F222CB0-F968-4A1F-A1FB-10FEC4E2F6E1}" type="datetimeFigureOut">
               <a:rPr lang="en-US" smtClean="0"/>
-              <a:t>5/15/2024</a:t>
+              <a:t>6/17/2024</a:t>
             </a:fld>
             <a:endParaRPr lang="en-US"/>
           </a:p>
@@ -2413,7 +2418,7 @@
           <a:p>
             <a:fld id="{7F222CB0-F968-4A1F-A1FB-10FEC4E2F6E1}" type="datetimeFigureOut">
               <a:rPr lang="en-US" smtClean="0"/>
-              <a:t>5/15/2024</a:t>
+              <a:t>6/17/2024</a:t>
             </a:fld>
             <a:endParaRPr lang="en-US"/>
           </a:p>
@@ -2526,7 +2531,7 @@
           <a:p>
             <a:fld id="{7F222CB0-F968-4A1F-A1FB-10FEC4E2F6E1}" type="datetimeFigureOut">
               <a:rPr lang="en-US" smtClean="0"/>
-              <a:t>5/15/2024</a:t>
+              <a:t>6/17/2024</a:t>
             </a:fld>
             <a:endParaRPr lang="en-US"/>
           </a:p>
@@ -2837,7 +2842,7 @@
           <a:p>
             <a:fld id="{7F222CB0-F968-4A1F-A1FB-10FEC4E2F6E1}" type="datetimeFigureOut">
               <a:rPr lang="en-US" smtClean="0"/>
-              <a:t>5/15/2024</a:t>
+              <a:t>6/17/2024</a:t>
             </a:fld>
             <a:endParaRPr lang="en-US"/>
           </a:p>
@@ -3125,7 +3130,7 @@
           <a:p>
             <a:fld id="{7F222CB0-F968-4A1F-A1FB-10FEC4E2F6E1}" type="datetimeFigureOut">
               <a:rPr lang="en-US" smtClean="0"/>
-              <a:t>5/15/2024</a:t>
+              <a:t>6/17/2024</a:t>
             </a:fld>
             <a:endParaRPr lang="en-US"/>
           </a:p>
@@ -3366,7 +3371,7 @@
           <a:p>
             <a:fld id="{7F222CB0-F968-4A1F-A1FB-10FEC4E2F6E1}" type="datetimeFigureOut">
               <a:rPr lang="en-US" smtClean="0"/>
-              <a:t>5/15/2024</a:t>
+              <a:t>6/17/2024</a:t>
             </a:fld>
             <a:endParaRPr lang="en-US"/>
           </a:p>
@@ -4038,6 +4043,88 @@
           </a:prstGeom>
         </p:spPr>
       </p:pic>
+      <p:sp>
+        <p:nvSpPr>
+          <p:cNvPr id="9" name="TextBox 8">
+            <a:extLst>
+              <a:ext uri="{FF2B5EF4-FFF2-40B4-BE49-F238E27FC236}">
+                <a16:creationId xmlns:a16="http://schemas.microsoft.com/office/drawing/2014/main" id="{E1FB7B4A-F806-C7EF-B319-0FA4C4D11DC6}"/>
+              </a:ext>
+            </a:extLst>
+          </p:cNvPr>
+          <p:cNvSpPr txBox="1"/>
+          <p:nvPr/>
+        </p:nvSpPr>
+        <p:spPr>
+          <a:xfrm>
+            <a:off x="114677" y="6172611"/>
+            <a:ext cx="5532120" cy="461665"/>
+          </a:xfrm>
+          <a:prstGeom prst="rect">
+            <a:avLst/>
+          </a:prstGeom>
+          <a:noFill/>
+        </p:spPr>
+        <p:txBody>
+          <a:bodyPr wrap="square">
+            <a:spAutoFit/>
+          </a:bodyPr>
+          <a:lstStyle/>
+          <a:p>
+            <a:pPr algn="l"/>
+            <a:r>
+              <a:rPr lang="th-TH" sz="2400" dirty="0">
+                <a:solidFill>
+                  <a:schemeClr val="bg1"/>
+                </a:solidFill>
+                <a:latin typeface="TH SarabunPSK" panose="020B0500040200020003" pitchFamily="34" charset="-34"/>
+                <a:cs typeface="TH SarabunPSK" panose="020B0500040200020003" pitchFamily="34" charset="-34"/>
+              </a:rPr>
+              <a:t>โดย ผศ</a:t>
+            </a:r>
+            <a:r>
+              <a:rPr lang="en-US" sz="2400" dirty="0">
+                <a:solidFill>
+                  <a:schemeClr val="bg1"/>
+                </a:solidFill>
+                <a:latin typeface="TH SarabunPSK" panose="020B0500040200020003" pitchFamily="34" charset="-34"/>
+                <a:cs typeface="TH SarabunPSK" panose="020B0500040200020003" pitchFamily="34" charset="-34"/>
+              </a:rPr>
+              <a:t>. </a:t>
+            </a:r>
+            <a:r>
+              <a:rPr lang="th-TH" sz="2400" dirty="0">
+                <a:solidFill>
+                  <a:schemeClr val="bg1"/>
+                </a:solidFill>
+                <a:latin typeface="TH SarabunPSK" panose="020B0500040200020003" pitchFamily="34" charset="-34"/>
+                <a:cs typeface="TH SarabunPSK" panose="020B0500040200020003" pitchFamily="34" charset="-34"/>
+              </a:rPr>
+              <a:t>ดร</a:t>
+            </a:r>
+            <a:r>
+              <a:rPr lang="en-US" sz="2400" dirty="0">
+                <a:solidFill>
+                  <a:schemeClr val="bg1"/>
+                </a:solidFill>
+                <a:latin typeface="TH SarabunPSK" panose="020B0500040200020003" pitchFamily="34" charset="-34"/>
+                <a:cs typeface="TH SarabunPSK" panose="020B0500040200020003" pitchFamily="34" charset="-34"/>
+              </a:rPr>
+              <a:t>.</a:t>
+            </a:r>
+            <a:r>
+              <a:rPr lang="th-TH" sz="2400" dirty="0">
+                <a:solidFill>
+                  <a:schemeClr val="bg1"/>
+                </a:solidFill>
+                <a:latin typeface="TH SarabunPSK" panose="020B0500040200020003" pitchFamily="34" charset="-34"/>
+                <a:cs typeface="TH SarabunPSK" panose="020B0500040200020003" pitchFamily="34" charset="-34"/>
+              </a:rPr>
+              <a:t>ธนพงศ์ อินทระ สาขาวิชาสถิติ มหาวิทยาลัยขอนแก่น </a:t>
+            </a:r>
+          </a:p>
+        </p:txBody>
+      </p:sp>
     </p:spTree>
     <p:extLst>
       <p:ext uri="{BB962C8B-B14F-4D97-AF65-F5344CB8AC3E}">
@@ -4812,6 +4899,88 @@
           </a:p>
         </p:txBody>
       </p:sp>
+      <p:sp>
+        <p:nvSpPr>
+          <p:cNvPr id="9" name="TextBox 8">
+            <a:extLst>
+              <a:ext uri="{FF2B5EF4-FFF2-40B4-BE49-F238E27FC236}">
+                <a16:creationId xmlns:a16="http://schemas.microsoft.com/office/drawing/2014/main" id="{8BDB27C8-71F8-0B9B-453C-1AE728DEBE83}"/>
+              </a:ext>
+            </a:extLst>
+          </p:cNvPr>
+          <p:cNvSpPr txBox="1"/>
+          <p:nvPr/>
+        </p:nvSpPr>
+        <p:spPr>
+          <a:xfrm>
+            <a:off x="114677" y="6172611"/>
+            <a:ext cx="5532120" cy="461665"/>
+          </a:xfrm>
+          <a:prstGeom prst="rect">
+            <a:avLst/>
+          </a:prstGeom>
+          <a:noFill/>
+        </p:spPr>
+        <p:txBody>
+          <a:bodyPr wrap="square">
+            <a:spAutoFit/>
+          </a:bodyPr>
+          <a:lstStyle/>
+          <a:p>
+            <a:pPr algn="l"/>
+            <a:r>
+              <a:rPr lang="th-TH" sz="2400" dirty="0">
+                <a:solidFill>
+                  <a:schemeClr val="bg1"/>
+                </a:solidFill>
+                <a:latin typeface="TH SarabunPSK" panose="020B0500040200020003" pitchFamily="34" charset="-34"/>
+                <a:cs typeface="TH SarabunPSK" panose="020B0500040200020003" pitchFamily="34" charset="-34"/>
+              </a:rPr>
+              <a:t>โดย ผศ</a:t>
+            </a:r>
+            <a:r>
+              <a:rPr lang="en-US" sz="2400" dirty="0">
+                <a:solidFill>
+                  <a:schemeClr val="bg1"/>
+                </a:solidFill>
+                <a:latin typeface="TH SarabunPSK" panose="020B0500040200020003" pitchFamily="34" charset="-34"/>
+                <a:cs typeface="TH SarabunPSK" panose="020B0500040200020003" pitchFamily="34" charset="-34"/>
+              </a:rPr>
+              <a:t>. </a:t>
+            </a:r>
+            <a:r>
+              <a:rPr lang="th-TH" sz="2400" dirty="0">
+                <a:solidFill>
+                  <a:schemeClr val="bg1"/>
+                </a:solidFill>
+                <a:latin typeface="TH SarabunPSK" panose="020B0500040200020003" pitchFamily="34" charset="-34"/>
+                <a:cs typeface="TH SarabunPSK" panose="020B0500040200020003" pitchFamily="34" charset="-34"/>
+              </a:rPr>
+              <a:t>ดร</a:t>
+            </a:r>
+            <a:r>
+              <a:rPr lang="en-US" sz="2400" dirty="0">
+                <a:solidFill>
+                  <a:schemeClr val="bg1"/>
+                </a:solidFill>
+                <a:latin typeface="TH SarabunPSK" panose="020B0500040200020003" pitchFamily="34" charset="-34"/>
+                <a:cs typeface="TH SarabunPSK" panose="020B0500040200020003" pitchFamily="34" charset="-34"/>
+              </a:rPr>
+              <a:t>.</a:t>
+            </a:r>
+            <a:r>
+              <a:rPr lang="th-TH" sz="2400" dirty="0">
+                <a:solidFill>
+                  <a:schemeClr val="bg1"/>
+                </a:solidFill>
+                <a:latin typeface="TH SarabunPSK" panose="020B0500040200020003" pitchFamily="34" charset="-34"/>
+                <a:cs typeface="TH SarabunPSK" panose="020B0500040200020003" pitchFamily="34" charset="-34"/>
+              </a:rPr>
+              <a:t>ธนพงศ์ อินทระ สาขาวิชาสถิติ มหาวิทยาลัยขอนแก่น </a:t>
+            </a:r>
+          </a:p>
+        </p:txBody>
+      </p:sp>
     </p:spTree>
     <p:extLst>
       <p:ext uri="{BB962C8B-B14F-4D97-AF65-F5344CB8AC3E}">
@@ -5706,6 +5875,88 @@
           </a:p>
         </p:txBody>
       </p:sp>
+      <p:sp>
+        <p:nvSpPr>
+          <p:cNvPr id="9" name="TextBox 8">
+            <a:extLst>
+              <a:ext uri="{FF2B5EF4-FFF2-40B4-BE49-F238E27FC236}">
+                <a16:creationId xmlns:a16="http://schemas.microsoft.com/office/drawing/2014/main" id="{C336816D-64CD-0EA4-5586-3F008A694A3E}"/>
+              </a:ext>
+            </a:extLst>
+          </p:cNvPr>
+          <p:cNvSpPr txBox="1"/>
+          <p:nvPr/>
+        </p:nvSpPr>
+        <p:spPr>
+          <a:xfrm>
+            <a:off x="114677" y="6172611"/>
+            <a:ext cx="5532120" cy="461665"/>
+          </a:xfrm>
+          <a:prstGeom prst="rect">
+            <a:avLst/>
+          </a:prstGeom>
+          <a:noFill/>
+        </p:spPr>
+        <p:txBody>
+          <a:bodyPr wrap="square">
+            <a:spAutoFit/>
+          </a:bodyPr>
+          <a:lstStyle/>
+          <a:p>
+            <a:pPr algn="l"/>
+            <a:r>
+              <a:rPr lang="th-TH" sz="2400" dirty="0">
+                <a:solidFill>
+                  <a:schemeClr val="bg1"/>
+                </a:solidFill>
+                <a:latin typeface="TH SarabunPSK" panose="020B0500040200020003" pitchFamily="34" charset="-34"/>
+                <a:cs typeface="TH SarabunPSK" panose="020B0500040200020003" pitchFamily="34" charset="-34"/>
+              </a:rPr>
+              <a:t>โดย ผศ</a:t>
+            </a:r>
+            <a:r>
+              <a:rPr lang="en-US" sz="2400" dirty="0">
+                <a:solidFill>
+                  <a:schemeClr val="bg1"/>
+                </a:solidFill>
+                <a:latin typeface="TH SarabunPSK" panose="020B0500040200020003" pitchFamily="34" charset="-34"/>
+                <a:cs typeface="TH SarabunPSK" panose="020B0500040200020003" pitchFamily="34" charset="-34"/>
+              </a:rPr>
+              <a:t>. </a:t>
+            </a:r>
+            <a:r>
+              <a:rPr lang="th-TH" sz="2400" dirty="0">
+                <a:solidFill>
+                  <a:schemeClr val="bg1"/>
+                </a:solidFill>
+                <a:latin typeface="TH SarabunPSK" panose="020B0500040200020003" pitchFamily="34" charset="-34"/>
+                <a:cs typeface="TH SarabunPSK" panose="020B0500040200020003" pitchFamily="34" charset="-34"/>
+              </a:rPr>
+              <a:t>ดร</a:t>
+            </a:r>
+            <a:r>
+              <a:rPr lang="en-US" sz="2400" dirty="0">
+                <a:solidFill>
+                  <a:schemeClr val="bg1"/>
+                </a:solidFill>
+                <a:latin typeface="TH SarabunPSK" panose="020B0500040200020003" pitchFamily="34" charset="-34"/>
+                <a:cs typeface="TH SarabunPSK" panose="020B0500040200020003" pitchFamily="34" charset="-34"/>
+              </a:rPr>
+              <a:t>.</a:t>
+            </a:r>
+            <a:r>
+              <a:rPr lang="th-TH" sz="2400" dirty="0">
+                <a:solidFill>
+                  <a:schemeClr val="bg1"/>
+                </a:solidFill>
+                <a:latin typeface="TH SarabunPSK" panose="020B0500040200020003" pitchFamily="34" charset="-34"/>
+                <a:cs typeface="TH SarabunPSK" panose="020B0500040200020003" pitchFamily="34" charset="-34"/>
+              </a:rPr>
+              <a:t>ธนพงศ์ อินทระ สาขาวิชาสถิติ มหาวิทยาลัยขอนแก่น </a:t>
+            </a:r>
+          </a:p>
+        </p:txBody>
+      </p:sp>
     </p:spTree>
     <p:extLst>
       <p:ext uri="{BB962C8B-B14F-4D97-AF65-F5344CB8AC3E}">
@@ -6593,6 +6844,88 @@
           </a:p>
         </p:txBody>
       </p:sp>
+      <p:sp>
+        <p:nvSpPr>
+          <p:cNvPr id="9" name="TextBox 8">
+            <a:extLst>
+              <a:ext uri="{FF2B5EF4-FFF2-40B4-BE49-F238E27FC236}">
+                <a16:creationId xmlns:a16="http://schemas.microsoft.com/office/drawing/2014/main" id="{05F94D69-F2B5-3D36-155C-CFC6AE172A1E}"/>
+              </a:ext>
+            </a:extLst>
+          </p:cNvPr>
+          <p:cNvSpPr txBox="1"/>
+          <p:nvPr/>
+        </p:nvSpPr>
+        <p:spPr>
+          <a:xfrm>
+            <a:off x="114677" y="6172611"/>
+            <a:ext cx="5532120" cy="461665"/>
+          </a:xfrm>
+          <a:prstGeom prst="rect">
+            <a:avLst/>
+          </a:prstGeom>
+          <a:noFill/>
+        </p:spPr>
+        <p:txBody>
+          <a:bodyPr wrap="square">
+            <a:spAutoFit/>
+          </a:bodyPr>
+          <a:lstStyle/>
+          <a:p>
+            <a:pPr algn="l"/>
+            <a:r>
+              <a:rPr lang="th-TH" sz="2400" dirty="0">
+                <a:solidFill>
+                  <a:schemeClr val="bg1"/>
+                </a:solidFill>
+                <a:latin typeface="TH SarabunPSK" panose="020B0500040200020003" pitchFamily="34" charset="-34"/>
+                <a:cs typeface="TH SarabunPSK" panose="020B0500040200020003" pitchFamily="34" charset="-34"/>
+              </a:rPr>
+              <a:t>โดย ผศ</a:t>
+            </a:r>
+            <a:r>
+              <a:rPr lang="en-US" sz="2400" dirty="0">
+                <a:solidFill>
+                  <a:schemeClr val="bg1"/>
+                </a:solidFill>
+                <a:latin typeface="TH SarabunPSK" panose="020B0500040200020003" pitchFamily="34" charset="-34"/>
+                <a:cs typeface="TH SarabunPSK" panose="020B0500040200020003" pitchFamily="34" charset="-34"/>
+              </a:rPr>
+              <a:t>. </a:t>
+            </a:r>
+            <a:r>
+              <a:rPr lang="th-TH" sz="2400" dirty="0">
+                <a:solidFill>
+                  <a:schemeClr val="bg1"/>
+                </a:solidFill>
+                <a:latin typeface="TH SarabunPSK" panose="020B0500040200020003" pitchFamily="34" charset="-34"/>
+                <a:cs typeface="TH SarabunPSK" panose="020B0500040200020003" pitchFamily="34" charset="-34"/>
+              </a:rPr>
+              <a:t>ดร</a:t>
+            </a:r>
+            <a:r>
+              <a:rPr lang="en-US" sz="2400" dirty="0">
+                <a:solidFill>
+                  <a:schemeClr val="bg1"/>
+                </a:solidFill>
+                <a:latin typeface="TH SarabunPSK" panose="020B0500040200020003" pitchFamily="34" charset="-34"/>
+                <a:cs typeface="TH SarabunPSK" panose="020B0500040200020003" pitchFamily="34" charset="-34"/>
+              </a:rPr>
+              <a:t>.</a:t>
+            </a:r>
+            <a:r>
+              <a:rPr lang="th-TH" sz="2400" dirty="0">
+                <a:solidFill>
+                  <a:schemeClr val="bg1"/>
+                </a:solidFill>
+                <a:latin typeface="TH SarabunPSK" panose="020B0500040200020003" pitchFamily="34" charset="-34"/>
+                <a:cs typeface="TH SarabunPSK" panose="020B0500040200020003" pitchFamily="34" charset="-34"/>
+              </a:rPr>
+              <a:t>ธนพงศ์ อินทระ สาขาวิชาสถิติ มหาวิทยาลัยขอนแก่น </a:t>
+            </a:r>
+          </a:p>
+        </p:txBody>
+      </p:sp>
     </p:spTree>
     <p:extLst>
       <p:ext uri="{BB962C8B-B14F-4D97-AF65-F5344CB8AC3E}">
@@ -7442,6 +7775,88 @@
           </a:prstGeom>
         </p:spPr>
       </p:pic>
+      <p:sp>
+        <p:nvSpPr>
+          <p:cNvPr id="10" name="TextBox 9">
+            <a:extLst>
+              <a:ext uri="{FF2B5EF4-FFF2-40B4-BE49-F238E27FC236}">
+                <a16:creationId xmlns:a16="http://schemas.microsoft.com/office/drawing/2014/main" id="{6F5C9031-F41C-7855-9864-841EF626E087}"/>
+              </a:ext>
+            </a:extLst>
+          </p:cNvPr>
+          <p:cNvSpPr txBox="1"/>
+          <p:nvPr/>
+        </p:nvSpPr>
+        <p:spPr>
+          <a:xfrm>
+            <a:off x="114677" y="6172611"/>
+            <a:ext cx="5532120" cy="461665"/>
+          </a:xfrm>
+          <a:prstGeom prst="rect">
+            <a:avLst/>
+          </a:prstGeom>
+          <a:noFill/>
+        </p:spPr>
+        <p:txBody>
+          <a:bodyPr wrap="square">
+            <a:spAutoFit/>
+          </a:bodyPr>
+          <a:lstStyle/>
+          <a:p>
+            <a:pPr algn="l"/>
+            <a:r>
+              <a:rPr lang="th-TH" sz="2400" dirty="0">
+                <a:solidFill>
+                  <a:schemeClr val="bg1"/>
+                </a:solidFill>
+                <a:latin typeface="TH SarabunPSK" panose="020B0500040200020003" pitchFamily="34" charset="-34"/>
+                <a:cs typeface="TH SarabunPSK" panose="020B0500040200020003" pitchFamily="34" charset="-34"/>
+              </a:rPr>
+              <a:t>โดย ผศ</a:t>
+            </a:r>
+            <a:r>
+              <a:rPr lang="en-US" sz="2400" dirty="0">
+                <a:solidFill>
+                  <a:schemeClr val="bg1"/>
+                </a:solidFill>
+                <a:latin typeface="TH SarabunPSK" panose="020B0500040200020003" pitchFamily="34" charset="-34"/>
+                <a:cs typeface="TH SarabunPSK" panose="020B0500040200020003" pitchFamily="34" charset="-34"/>
+              </a:rPr>
+              <a:t>. </a:t>
+            </a:r>
+            <a:r>
+              <a:rPr lang="th-TH" sz="2400" dirty="0">
+                <a:solidFill>
+                  <a:schemeClr val="bg1"/>
+                </a:solidFill>
+                <a:latin typeface="TH SarabunPSK" panose="020B0500040200020003" pitchFamily="34" charset="-34"/>
+                <a:cs typeface="TH SarabunPSK" panose="020B0500040200020003" pitchFamily="34" charset="-34"/>
+              </a:rPr>
+              <a:t>ดร</a:t>
+            </a:r>
+            <a:r>
+              <a:rPr lang="en-US" sz="2400" dirty="0">
+                <a:solidFill>
+                  <a:schemeClr val="bg1"/>
+                </a:solidFill>
+                <a:latin typeface="TH SarabunPSK" panose="020B0500040200020003" pitchFamily="34" charset="-34"/>
+                <a:cs typeface="TH SarabunPSK" panose="020B0500040200020003" pitchFamily="34" charset="-34"/>
+              </a:rPr>
+              <a:t>.</a:t>
+            </a:r>
+            <a:r>
+              <a:rPr lang="th-TH" sz="2400" dirty="0">
+                <a:solidFill>
+                  <a:schemeClr val="bg1"/>
+                </a:solidFill>
+                <a:latin typeface="TH SarabunPSK" panose="020B0500040200020003" pitchFamily="34" charset="-34"/>
+                <a:cs typeface="TH SarabunPSK" panose="020B0500040200020003" pitchFamily="34" charset="-34"/>
+              </a:rPr>
+              <a:t>ธนพงศ์ อินทระ สาขาวิชาสถิติ มหาวิทยาลัยขอนแก่น </a:t>
+            </a:r>
+          </a:p>
+        </p:txBody>
+      </p:sp>
     </p:spTree>
     <p:extLst>
       <p:ext uri="{BB962C8B-B14F-4D97-AF65-F5344CB8AC3E}">
@@ -8801,6 +9216,88 @@
           </a:p>
         </p:txBody>
       </p:sp>
+      <p:sp>
+        <p:nvSpPr>
+          <p:cNvPr id="9" name="TextBox 8">
+            <a:extLst>
+              <a:ext uri="{FF2B5EF4-FFF2-40B4-BE49-F238E27FC236}">
+                <a16:creationId xmlns:a16="http://schemas.microsoft.com/office/drawing/2014/main" id="{C4850401-B6CE-4DBC-C4E5-4860965914C2}"/>
+              </a:ext>
+            </a:extLst>
+          </p:cNvPr>
+          <p:cNvSpPr txBox="1"/>
+          <p:nvPr/>
+        </p:nvSpPr>
+        <p:spPr>
+          <a:xfrm>
+            <a:off x="114677" y="6172611"/>
+            <a:ext cx="5532120" cy="461665"/>
+          </a:xfrm>
+          <a:prstGeom prst="rect">
+            <a:avLst/>
+          </a:prstGeom>
+          <a:noFill/>
+        </p:spPr>
+        <p:txBody>
+          <a:bodyPr wrap="square">
+            <a:spAutoFit/>
+          </a:bodyPr>
+          <a:lstStyle/>
+          <a:p>
+            <a:pPr algn="l"/>
+            <a:r>
+              <a:rPr lang="th-TH" sz="2400" dirty="0">
+                <a:solidFill>
+                  <a:schemeClr val="bg1"/>
+                </a:solidFill>
+                <a:latin typeface="TH SarabunPSK" panose="020B0500040200020003" pitchFamily="34" charset="-34"/>
+                <a:cs typeface="TH SarabunPSK" panose="020B0500040200020003" pitchFamily="34" charset="-34"/>
+              </a:rPr>
+              <a:t>โดย ผศ</a:t>
+            </a:r>
+            <a:r>
+              <a:rPr lang="en-US" sz="2400" dirty="0">
+                <a:solidFill>
+                  <a:schemeClr val="bg1"/>
+                </a:solidFill>
+                <a:latin typeface="TH SarabunPSK" panose="020B0500040200020003" pitchFamily="34" charset="-34"/>
+                <a:cs typeface="TH SarabunPSK" panose="020B0500040200020003" pitchFamily="34" charset="-34"/>
+              </a:rPr>
+              <a:t>. </a:t>
+            </a:r>
+            <a:r>
+              <a:rPr lang="th-TH" sz="2400" dirty="0">
+                <a:solidFill>
+                  <a:schemeClr val="bg1"/>
+                </a:solidFill>
+                <a:latin typeface="TH SarabunPSK" panose="020B0500040200020003" pitchFamily="34" charset="-34"/>
+                <a:cs typeface="TH SarabunPSK" panose="020B0500040200020003" pitchFamily="34" charset="-34"/>
+              </a:rPr>
+              <a:t>ดร</a:t>
+            </a:r>
+            <a:r>
+              <a:rPr lang="en-US" sz="2400" dirty="0">
+                <a:solidFill>
+                  <a:schemeClr val="bg1"/>
+                </a:solidFill>
+                <a:latin typeface="TH SarabunPSK" panose="020B0500040200020003" pitchFamily="34" charset="-34"/>
+                <a:cs typeface="TH SarabunPSK" panose="020B0500040200020003" pitchFamily="34" charset="-34"/>
+              </a:rPr>
+              <a:t>.</a:t>
+            </a:r>
+            <a:r>
+              <a:rPr lang="th-TH" sz="2400" dirty="0">
+                <a:solidFill>
+                  <a:schemeClr val="bg1"/>
+                </a:solidFill>
+                <a:latin typeface="TH SarabunPSK" panose="020B0500040200020003" pitchFamily="34" charset="-34"/>
+                <a:cs typeface="TH SarabunPSK" panose="020B0500040200020003" pitchFamily="34" charset="-34"/>
+              </a:rPr>
+              <a:t>ธนพงศ์ อินทระ สาขาวิชาสถิติ มหาวิทยาลัยขอนแก่น </a:t>
+            </a:r>
+          </a:p>
+        </p:txBody>
+      </p:sp>
     </p:spTree>
     <p:extLst>
       <p:ext uri="{BB962C8B-B14F-4D97-AF65-F5344CB8AC3E}">
@@ -9650,6 +10147,88 @@
           </a:p>
         </p:txBody>
       </p:sp>
+      <p:sp>
+        <p:nvSpPr>
+          <p:cNvPr id="9" name="TextBox 8">
+            <a:extLst>
+              <a:ext uri="{FF2B5EF4-FFF2-40B4-BE49-F238E27FC236}">
+                <a16:creationId xmlns:a16="http://schemas.microsoft.com/office/drawing/2014/main" id="{EB1A9ABE-B8AC-D677-334B-185D8FB287C7}"/>
+              </a:ext>
+            </a:extLst>
+          </p:cNvPr>
+          <p:cNvSpPr txBox="1"/>
+          <p:nvPr/>
+        </p:nvSpPr>
+        <p:spPr>
+          <a:xfrm>
+            <a:off x="114677" y="6172611"/>
+            <a:ext cx="5532120" cy="461665"/>
+          </a:xfrm>
+          <a:prstGeom prst="rect">
+            <a:avLst/>
+          </a:prstGeom>
+          <a:noFill/>
+        </p:spPr>
+        <p:txBody>
+          <a:bodyPr wrap="square">
+            <a:spAutoFit/>
+          </a:bodyPr>
+          <a:lstStyle/>
+          <a:p>
+            <a:pPr algn="l"/>
+            <a:r>
+              <a:rPr lang="th-TH" sz="2400" dirty="0">
+                <a:solidFill>
+                  <a:schemeClr val="bg1"/>
+                </a:solidFill>
+                <a:latin typeface="TH SarabunPSK" panose="020B0500040200020003" pitchFamily="34" charset="-34"/>
+                <a:cs typeface="TH SarabunPSK" panose="020B0500040200020003" pitchFamily="34" charset="-34"/>
+              </a:rPr>
+              <a:t>โดย ผศ</a:t>
+            </a:r>
+            <a:r>
+              <a:rPr lang="en-US" sz="2400" dirty="0">
+                <a:solidFill>
+                  <a:schemeClr val="bg1"/>
+                </a:solidFill>
+                <a:latin typeface="TH SarabunPSK" panose="020B0500040200020003" pitchFamily="34" charset="-34"/>
+                <a:cs typeface="TH SarabunPSK" panose="020B0500040200020003" pitchFamily="34" charset="-34"/>
+              </a:rPr>
+              <a:t>. </a:t>
+            </a:r>
+            <a:r>
+              <a:rPr lang="th-TH" sz="2400" dirty="0">
+                <a:solidFill>
+                  <a:schemeClr val="bg1"/>
+                </a:solidFill>
+                <a:latin typeface="TH SarabunPSK" panose="020B0500040200020003" pitchFamily="34" charset="-34"/>
+                <a:cs typeface="TH SarabunPSK" panose="020B0500040200020003" pitchFamily="34" charset="-34"/>
+              </a:rPr>
+              <a:t>ดร</a:t>
+            </a:r>
+            <a:r>
+              <a:rPr lang="en-US" sz="2400" dirty="0">
+                <a:solidFill>
+                  <a:schemeClr val="bg1"/>
+                </a:solidFill>
+                <a:latin typeface="TH SarabunPSK" panose="020B0500040200020003" pitchFamily="34" charset="-34"/>
+                <a:cs typeface="TH SarabunPSK" panose="020B0500040200020003" pitchFamily="34" charset="-34"/>
+              </a:rPr>
+              <a:t>.</a:t>
+            </a:r>
+            <a:r>
+              <a:rPr lang="th-TH" sz="2400" dirty="0">
+                <a:solidFill>
+                  <a:schemeClr val="bg1"/>
+                </a:solidFill>
+                <a:latin typeface="TH SarabunPSK" panose="020B0500040200020003" pitchFamily="34" charset="-34"/>
+                <a:cs typeface="TH SarabunPSK" panose="020B0500040200020003" pitchFamily="34" charset="-34"/>
+              </a:rPr>
+              <a:t>ธนพงศ์ อินทระ สาขาวิชาสถิติ มหาวิทยาลัยขอนแก่น </a:t>
+            </a:r>
+          </a:p>
+        </p:txBody>
+      </p:sp>
     </p:spTree>
     <p:extLst>
       <p:ext uri="{BB962C8B-B14F-4D97-AF65-F5344CB8AC3E}">
@@ -10367,6 +10946,88 @@
           </a:p>
         </p:txBody>
       </p:sp>
+      <p:sp>
+        <p:nvSpPr>
+          <p:cNvPr id="9" name="TextBox 8">
+            <a:extLst>
+              <a:ext uri="{FF2B5EF4-FFF2-40B4-BE49-F238E27FC236}">
+                <a16:creationId xmlns:a16="http://schemas.microsoft.com/office/drawing/2014/main" id="{B609EEC0-B7A0-DDF9-1403-15B6A70DD623}"/>
+              </a:ext>
+            </a:extLst>
+          </p:cNvPr>
+          <p:cNvSpPr txBox="1"/>
+          <p:nvPr/>
+        </p:nvSpPr>
+        <p:spPr>
+          <a:xfrm>
+            <a:off x="114677" y="6172611"/>
+            <a:ext cx="5532120" cy="461665"/>
+          </a:xfrm>
+          <a:prstGeom prst="rect">
+            <a:avLst/>
+          </a:prstGeom>
+          <a:noFill/>
+        </p:spPr>
+        <p:txBody>
+          <a:bodyPr wrap="square">
+            <a:spAutoFit/>
+          </a:bodyPr>
+          <a:lstStyle/>
+          <a:p>
+            <a:pPr algn="l"/>
+            <a:r>
+              <a:rPr lang="th-TH" sz="2400" dirty="0">
+                <a:solidFill>
+                  <a:schemeClr val="bg1"/>
+                </a:solidFill>
+                <a:latin typeface="TH SarabunPSK" panose="020B0500040200020003" pitchFamily="34" charset="-34"/>
+                <a:cs typeface="TH SarabunPSK" panose="020B0500040200020003" pitchFamily="34" charset="-34"/>
+              </a:rPr>
+              <a:t>โดย ผศ</a:t>
+            </a:r>
+            <a:r>
+              <a:rPr lang="en-US" sz="2400" dirty="0">
+                <a:solidFill>
+                  <a:schemeClr val="bg1"/>
+                </a:solidFill>
+                <a:latin typeface="TH SarabunPSK" panose="020B0500040200020003" pitchFamily="34" charset="-34"/>
+                <a:cs typeface="TH SarabunPSK" panose="020B0500040200020003" pitchFamily="34" charset="-34"/>
+              </a:rPr>
+              <a:t>. </a:t>
+            </a:r>
+            <a:r>
+              <a:rPr lang="th-TH" sz="2400" dirty="0">
+                <a:solidFill>
+                  <a:schemeClr val="bg1"/>
+                </a:solidFill>
+                <a:latin typeface="TH SarabunPSK" panose="020B0500040200020003" pitchFamily="34" charset="-34"/>
+                <a:cs typeface="TH SarabunPSK" panose="020B0500040200020003" pitchFamily="34" charset="-34"/>
+              </a:rPr>
+              <a:t>ดร</a:t>
+            </a:r>
+            <a:r>
+              <a:rPr lang="en-US" sz="2400" dirty="0">
+                <a:solidFill>
+                  <a:schemeClr val="bg1"/>
+                </a:solidFill>
+                <a:latin typeface="TH SarabunPSK" panose="020B0500040200020003" pitchFamily="34" charset="-34"/>
+                <a:cs typeface="TH SarabunPSK" panose="020B0500040200020003" pitchFamily="34" charset="-34"/>
+              </a:rPr>
+              <a:t>.</a:t>
+            </a:r>
+            <a:r>
+              <a:rPr lang="th-TH" sz="2400" dirty="0">
+                <a:solidFill>
+                  <a:schemeClr val="bg1"/>
+                </a:solidFill>
+                <a:latin typeface="TH SarabunPSK" panose="020B0500040200020003" pitchFamily="34" charset="-34"/>
+                <a:cs typeface="TH SarabunPSK" panose="020B0500040200020003" pitchFamily="34" charset="-34"/>
+              </a:rPr>
+              <a:t>ธนพงศ์ อินทระ สาขาวิชาสถิติ มหาวิทยาลัยขอนแก่น </a:t>
+            </a:r>
+          </a:p>
+        </p:txBody>
+      </p:sp>
     </p:spTree>
     <p:extLst>
       <p:ext uri="{BB962C8B-B14F-4D97-AF65-F5344CB8AC3E}">
@@ -11349,6 +12010,88 @@
           </a:p>
         </p:txBody>
       </p:sp>
+      <p:sp>
+        <p:nvSpPr>
+          <p:cNvPr id="9" name="TextBox 8">
+            <a:extLst>
+              <a:ext uri="{FF2B5EF4-FFF2-40B4-BE49-F238E27FC236}">
+                <a16:creationId xmlns:a16="http://schemas.microsoft.com/office/drawing/2014/main" id="{AF4EB91B-BF2D-39F7-7A35-927AEF3FC35C}"/>
+              </a:ext>
+            </a:extLst>
+          </p:cNvPr>
+          <p:cNvSpPr txBox="1"/>
+          <p:nvPr/>
+        </p:nvSpPr>
+        <p:spPr>
+          <a:xfrm>
+            <a:off x="114677" y="6172611"/>
+            <a:ext cx="5532120" cy="461665"/>
+          </a:xfrm>
+          <a:prstGeom prst="rect">
+            <a:avLst/>
+          </a:prstGeom>
+          <a:noFill/>
+        </p:spPr>
+        <p:txBody>
+          <a:bodyPr wrap="square">
+            <a:spAutoFit/>
+          </a:bodyPr>
+          <a:lstStyle/>
+          <a:p>
+            <a:pPr algn="l"/>
+            <a:r>
+              <a:rPr lang="th-TH" sz="2400" dirty="0">
+                <a:solidFill>
+                  <a:schemeClr val="bg1"/>
+                </a:solidFill>
+                <a:latin typeface="TH SarabunPSK" panose="020B0500040200020003" pitchFamily="34" charset="-34"/>
+                <a:cs typeface="TH SarabunPSK" panose="020B0500040200020003" pitchFamily="34" charset="-34"/>
+              </a:rPr>
+              <a:t>โดย ผศ</a:t>
+            </a:r>
+            <a:r>
+              <a:rPr lang="en-US" sz="2400" dirty="0">
+                <a:solidFill>
+                  <a:schemeClr val="bg1"/>
+                </a:solidFill>
+                <a:latin typeface="TH SarabunPSK" panose="020B0500040200020003" pitchFamily="34" charset="-34"/>
+                <a:cs typeface="TH SarabunPSK" panose="020B0500040200020003" pitchFamily="34" charset="-34"/>
+              </a:rPr>
+              <a:t>. </a:t>
+            </a:r>
+            <a:r>
+              <a:rPr lang="th-TH" sz="2400" dirty="0">
+                <a:solidFill>
+                  <a:schemeClr val="bg1"/>
+                </a:solidFill>
+                <a:latin typeface="TH SarabunPSK" panose="020B0500040200020003" pitchFamily="34" charset="-34"/>
+                <a:cs typeface="TH SarabunPSK" panose="020B0500040200020003" pitchFamily="34" charset="-34"/>
+              </a:rPr>
+              <a:t>ดร</a:t>
+            </a:r>
+            <a:r>
+              <a:rPr lang="en-US" sz="2400" dirty="0">
+                <a:solidFill>
+                  <a:schemeClr val="bg1"/>
+                </a:solidFill>
+                <a:latin typeface="TH SarabunPSK" panose="020B0500040200020003" pitchFamily="34" charset="-34"/>
+                <a:cs typeface="TH SarabunPSK" panose="020B0500040200020003" pitchFamily="34" charset="-34"/>
+              </a:rPr>
+              <a:t>.</a:t>
+            </a:r>
+            <a:r>
+              <a:rPr lang="th-TH" sz="2400" dirty="0">
+                <a:solidFill>
+                  <a:schemeClr val="bg1"/>
+                </a:solidFill>
+                <a:latin typeface="TH SarabunPSK" panose="020B0500040200020003" pitchFamily="34" charset="-34"/>
+                <a:cs typeface="TH SarabunPSK" panose="020B0500040200020003" pitchFamily="34" charset="-34"/>
+              </a:rPr>
+              <a:t>ธนพงศ์ อินทระ สาขาวิชาสถิติ มหาวิทยาลัยขอนแก่น </a:t>
+            </a:r>
+          </a:p>
+        </p:txBody>
+      </p:sp>
     </p:spTree>
     <p:extLst>
       <p:ext uri="{BB962C8B-B14F-4D97-AF65-F5344CB8AC3E}">
@@ -12009,6 +12752,88 @@
           </a:p>
         </p:txBody>
       </p:sp>
+      <p:sp>
+        <p:nvSpPr>
+          <p:cNvPr id="9" name="TextBox 8">
+            <a:extLst>
+              <a:ext uri="{FF2B5EF4-FFF2-40B4-BE49-F238E27FC236}">
+                <a16:creationId xmlns:a16="http://schemas.microsoft.com/office/drawing/2014/main" id="{0CB4DA99-0A09-B154-75B8-9487A8A235F7}"/>
+              </a:ext>
+            </a:extLst>
+          </p:cNvPr>
+          <p:cNvSpPr txBox="1"/>
+          <p:nvPr/>
+        </p:nvSpPr>
+        <p:spPr>
+          <a:xfrm>
+            <a:off x="114677" y="6172611"/>
+            <a:ext cx="5532120" cy="461665"/>
+          </a:xfrm>
+          <a:prstGeom prst="rect">
+            <a:avLst/>
+          </a:prstGeom>
+          <a:noFill/>
+        </p:spPr>
+        <p:txBody>
+          <a:bodyPr wrap="square">
+            <a:spAutoFit/>
+          </a:bodyPr>
+          <a:lstStyle/>
+          <a:p>
+            <a:pPr algn="l"/>
+            <a:r>
+              <a:rPr lang="th-TH" sz="2400" dirty="0">
+                <a:solidFill>
+                  <a:schemeClr val="bg1"/>
+                </a:solidFill>
+                <a:latin typeface="TH SarabunPSK" panose="020B0500040200020003" pitchFamily="34" charset="-34"/>
+                <a:cs typeface="TH SarabunPSK" panose="020B0500040200020003" pitchFamily="34" charset="-34"/>
+              </a:rPr>
+              <a:t>โดย ผศ</a:t>
+            </a:r>
+            <a:r>
+              <a:rPr lang="en-US" sz="2400" dirty="0">
+                <a:solidFill>
+                  <a:schemeClr val="bg1"/>
+                </a:solidFill>
+                <a:latin typeface="TH SarabunPSK" panose="020B0500040200020003" pitchFamily="34" charset="-34"/>
+                <a:cs typeface="TH SarabunPSK" panose="020B0500040200020003" pitchFamily="34" charset="-34"/>
+              </a:rPr>
+              <a:t>. </a:t>
+            </a:r>
+            <a:r>
+              <a:rPr lang="th-TH" sz="2400" dirty="0">
+                <a:solidFill>
+                  <a:schemeClr val="bg1"/>
+                </a:solidFill>
+                <a:latin typeface="TH SarabunPSK" panose="020B0500040200020003" pitchFamily="34" charset="-34"/>
+                <a:cs typeface="TH SarabunPSK" panose="020B0500040200020003" pitchFamily="34" charset="-34"/>
+              </a:rPr>
+              <a:t>ดร</a:t>
+            </a:r>
+            <a:r>
+              <a:rPr lang="en-US" sz="2400" dirty="0">
+                <a:solidFill>
+                  <a:schemeClr val="bg1"/>
+                </a:solidFill>
+                <a:latin typeface="TH SarabunPSK" panose="020B0500040200020003" pitchFamily="34" charset="-34"/>
+                <a:cs typeface="TH SarabunPSK" panose="020B0500040200020003" pitchFamily="34" charset="-34"/>
+              </a:rPr>
+              <a:t>.</a:t>
+            </a:r>
+            <a:r>
+              <a:rPr lang="th-TH" sz="2400" dirty="0">
+                <a:solidFill>
+                  <a:schemeClr val="bg1"/>
+                </a:solidFill>
+                <a:latin typeface="TH SarabunPSK" panose="020B0500040200020003" pitchFamily="34" charset="-34"/>
+                <a:cs typeface="TH SarabunPSK" panose="020B0500040200020003" pitchFamily="34" charset="-34"/>
+              </a:rPr>
+              <a:t>ธนพงศ์ อินทระ สาขาวิชาสถิติ มหาวิทยาลัยขอนแก่น </a:t>
+            </a:r>
+          </a:p>
+        </p:txBody>
+      </p:sp>
     </p:spTree>
     <p:extLst>
       <p:ext uri="{BB962C8B-B14F-4D97-AF65-F5344CB8AC3E}">
@@ -12705,6 +13530,88 @@
           </a:p>
         </p:txBody>
       </p:sp>
+      <p:sp>
+        <p:nvSpPr>
+          <p:cNvPr id="9" name="TextBox 8">
+            <a:extLst>
+              <a:ext uri="{FF2B5EF4-FFF2-40B4-BE49-F238E27FC236}">
+                <a16:creationId xmlns:a16="http://schemas.microsoft.com/office/drawing/2014/main" id="{12C9BE56-E141-917E-60E7-61C23C0D2E43}"/>
+              </a:ext>
+            </a:extLst>
+          </p:cNvPr>
+          <p:cNvSpPr txBox="1"/>
+          <p:nvPr/>
+        </p:nvSpPr>
+        <p:spPr>
+          <a:xfrm>
+            <a:off x="114677" y="6172611"/>
+            <a:ext cx="5532120" cy="461665"/>
+          </a:xfrm>
+          <a:prstGeom prst="rect">
+            <a:avLst/>
+          </a:prstGeom>
+          <a:noFill/>
+        </p:spPr>
+        <p:txBody>
+          <a:bodyPr wrap="square">
+            <a:spAutoFit/>
+          </a:bodyPr>
+          <a:lstStyle/>
+          <a:p>
+            <a:pPr algn="l"/>
+            <a:r>
+              <a:rPr lang="th-TH" sz="2400" dirty="0">
+                <a:solidFill>
+                  <a:schemeClr val="bg1"/>
+                </a:solidFill>
+                <a:latin typeface="TH SarabunPSK" panose="020B0500040200020003" pitchFamily="34" charset="-34"/>
+                <a:cs typeface="TH SarabunPSK" panose="020B0500040200020003" pitchFamily="34" charset="-34"/>
+              </a:rPr>
+              <a:t>โดย ผศ</a:t>
+            </a:r>
+            <a:r>
+              <a:rPr lang="en-US" sz="2400" dirty="0">
+                <a:solidFill>
+                  <a:schemeClr val="bg1"/>
+                </a:solidFill>
+                <a:latin typeface="TH SarabunPSK" panose="020B0500040200020003" pitchFamily="34" charset="-34"/>
+                <a:cs typeface="TH SarabunPSK" panose="020B0500040200020003" pitchFamily="34" charset="-34"/>
+              </a:rPr>
+              <a:t>. </a:t>
+            </a:r>
+            <a:r>
+              <a:rPr lang="th-TH" sz="2400" dirty="0">
+                <a:solidFill>
+                  <a:schemeClr val="bg1"/>
+                </a:solidFill>
+                <a:latin typeface="TH SarabunPSK" panose="020B0500040200020003" pitchFamily="34" charset="-34"/>
+                <a:cs typeface="TH SarabunPSK" panose="020B0500040200020003" pitchFamily="34" charset="-34"/>
+              </a:rPr>
+              <a:t>ดร</a:t>
+            </a:r>
+            <a:r>
+              <a:rPr lang="en-US" sz="2400" dirty="0">
+                <a:solidFill>
+                  <a:schemeClr val="bg1"/>
+                </a:solidFill>
+                <a:latin typeface="TH SarabunPSK" panose="020B0500040200020003" pitchFamily="34" charset="-34"/>
+                <a:cs typeface="TH SarabunPSK" panose="020B0500040200020003" pitchFamily="34" charset="-34"/>
+              </a:rPr>
+              <a:t>.</a:t>
+            </a:r>
+            <a:r>
+              <a:rPr lang="th-TH" sz="2400" dirty="0">
+                <a:solidFill>
+                  <a:schemeClr val="bg1"/>
+                </a:solidFill>
+                <a:latin typeface="TH SarabunPSK" panose="020B0500040200020003" pitchFamily="34" charset="-34"/>
+                <a:cs typeface="TH SarabunPSK" panose="020B0500040200020003" pitchFamily="34" charset="-34"/>
+              </a:rPr>
+              <a:t>ธนพงศ์ อินทระ สาขาวิชาสถิติ มหาวิทยาลัยขอนแก่น </a:t>
+            </a:r>
+          </a:p>
+        </p:txBody>
+      </p:sp>
     </p:spTree>
     <p:extLst>
       <p:ext uri="{BB962C8B-B14F-4D97-AF65-F5344CB8AC3E}">
@@ -13493,6 +14400,88 @@
           </a:p>
         </p:txBody>
       </p:sp>
+      <p:sp>
+        <p:nvSpPr>
+          <p:cNvPr id="5" name="TextBox 4">
+            <a:extLst>
+              <a:ext uri="{FF2B5EF4-FFF2-40B4-BE49-F238E27FC236}">
+                <a16:creationId xmlns:a16="http://schemas.microsoft.com/office/drawing/2014/main" id="{03362E2C-E87D-6A8C-13AA-BA4416A0A93B}"/>
+              </a:ext>
+            </a:extLst>
+          </p:cNvPr>
+          <p:cNvSpPr txBox="1"/>
+          <p:nvPr/>
+        </p:nvSpPr>
+        <p:spPr>
+          <a:xfrm>
+            <a:off x="114677" y="6172611"/>
+            <a:ext cx="5532120" cy="461665"/>
+          </a:xfrm>
+          <a:prstGeom prst="rect">
+            <a:avLst/>
+          </a:prstGeom>
+          <a:noFill/>
+        </p:spPr>
+        <p:txBody>
+          <a:bodyPr wrap="square">
+            <a:spAutoFit/>
+          </a:bodyPr>
+          <a:lstStyle/>
+          <a:p>
+            <a:pPr algn="l"/>
+            <a:r>
+              <a:rPr lang="th-TH" sz="2400" dirty="0">
+                <a:solidFill>
+                  <a:schemeClr val="bg1"/>
+                </a:solidFill>
+                <a:latin typeface="TH SarabunPSK" panose="020B0500040200020003" pitchFamily="34" charset="-34"/>
+                <a:cs typeface="TH SarabunPSK" panose="020B0500040200020003" pitchFamily="34" charset="-34"/>
+              </a:rPr>
+              <a:t>โดย ผศ</a:t>
+            </a:r>
+            <a:r>
+              <a:rPr lang="en-US" sz="2400" dirty="0">
+                <a:solidFill>
+                  <a:schemeClr val="bg1"/>
+                </a:solidFill>
+                <a:latin typeface="TH SarabunPSK" panose="020B0500040200020003" pitchFamily="34" charset="-34"/>
+                <a:cs typeface="TH SarabunPSK" panose="020B0500040200020003" pitchFamily="34" charset="-34"/>
+              </a:rPr>
+              <a:t>. </a:t>
+            </a:r>
+            <a:r>
+              <a:rPr lang="th-TH" sz="2400" dirty="0">
+                <a:solidFill>
+                  <a:schemeClr val="bg1"/>
+                </a:solidFill>
+                <a:latin typeface="TH SarabunPSK" panose="020B0500040200020003" pitchFamily="34" charset="-34"/>
+                <a:cs typeface="TH SarabunPSK" panose="020B0500040200020003" pitchFamily="34" charset="-34"/>
+              </a:rPr>
+              <a:t>ดร</a:t>
+            </a:r>
+            <a:r>
+              <a:rPr lang="en-US" sz="2400" dirty="0">
+                <a:solidFill>
+                  <a:schemeClr val="bg1"/>
+                </a:solidFill>
+                <a:latin typeface="TH SarabunPSK" panose="020B0500040200020003" pitchFamily="34" charset="-34"/>
+                <a:cs typeface="TH SarabunPSK" panose="020B0500040200020003" pitchFamily="34" charset="-34"/>
+              </a:rPr>
+              <a:t>.</a:t>
+            </a:r>
+            <a:r>
+              <a:rPr lang="th-TH" sz="2400" dirty="0">
+                <a:solidFill>
+                  <a:schemeClr val="bg1"/>
+                </a:solidFill>
+                <a:latin typeface="TH SarabunPSK" panose="020B0500040200020003" pitchFamily="34" charset="-34"/>
+                <a:cs typeface="TH SarabunPSK" panose="020B0500040200020003" pitchFamily="34" charset="-34"/>
+              </a:rPr>
+              <a:t>ธนพงศ์ อินทระ สาขาวิชาสถิติ มหาวิทยาลัยขอนแก่น </a:t>
+            </a:r>
+          </a:p>
+        </p:txBody>
+      </p:sp>
     </p:spTree>
     <p:extLst>
       <p:ext uri="{BB962C8B-B14F-4D97-AF65-F5344CB8AC3E}">
@@ -14330,6 +15319,88 @@
           </a:p>
         </p:txBody>
       </p:sp>
+      <p:sp>
+        <p:nvSpPr>
+          <p:cNvPr id="9" name="TextBox 8">
+            <a:extLst>
+              <a:ext uri="{FF2B5EF4-FFF2-40B4-BE49-F238E27FC236}">
+                <a16:creationId xmlns:a16="http://schemas.microsoft.com/office/drawing/2014/main" id="{F03DC0A9-9703-69C6-CF1B-C5C093709CCF}"/>
+              </a:ext>
+            </a:extLst>
+          </p:cNvPr>
+          <p:cNvSpPr txBox="1"/>
+          <p:nvPr/>
+        </p:nvSpPr>
+        <p:spPr>
+          <a:xfrm>
+            <a:off x="114677" y="6172611"/>
+            <a:ext cx="5532120" cy="461665"/>
+          </a:xfrm>
+          <a:prstGeom prst="rect">
+            <a:avLst/>
+          </a:prstGeom>
+          <a:noFill/>
+        </p:spPr>
+        <p:txBody>
+          <a:bodyPr wrap="square">
+            <a:spAutoFit/>
+          </a:bodyPr>
+          <a:lstStyle/>
+          <a:p>
+            <a:pPr algn="l"/>
+            <a:r>
+              <a:rPr lang="th-TH" sz="2400" dirty="0">
+                <a:solidFill>
+                  <a:schemeClr val="bg1"/>
+                </a:solidFill>
+                <a:latin typeface="TH SarabunPSK" panose="020B0500040200020003" pitchFamily="34" charset="-34"/>
+                <a:cs typeface="TH SarabunPSK" panose="020B0500040200020003" pitchFamily="34" charset="-34"/>
+              </a:rPr>
+              <a:t>โดย ผศ</a:t>
+            </a:r>
+            <a:r>
+              <a:rPr lang="en-US" sz="2400" dirty="0">
+                <a:solidFill>
+                  <a:schemeClr val="bg1"/>
+                </a:solidFill>
+                <a:latin typeface="TH SarabunPSK" panose="020B0500040200020003" pitchFamily="34" charset="-34"/>
+                <a:cs typeface="TH SarabunPSK" panose="020B0500040200020003" pitchFamily="34" charset="-34"/>
+              </a:rPr>
+              <a:t>. </a:t>
+            </a:r>
+            <a:r>
+              <a:rPr lang="th-TH" sz="2400" dirty="0">
+                <a:solidFill>
+                  <a:schemeClr val="bg1"/>
+                </a:solidFill>
+                <a:latin typeface="TH SarabunPSK" panose="020B0500040200020003" pitchFamily="34" charset="-34"/>
+                <a:cs typeface="TH SarabunPSK" panose="020B0500040200020003" pitchFamily="34" charset="-34"/>
+              </a:rPr>
+              <a:t>ดร</a:t>
+            </a:r>
+            <a:r>
+              <a:rPr lang="en-US" sz="2400" dirty="0">
+                <a:solidFill>
+                  <a:schemeClr val="bg1"/>
+                </a:solidFill>
+                <a:latin typeface="TH SarabunPSK" panose="020B0500040200020003" pitchFamily="34" charset="-34"/>
+                <a:cs typeface="TH SarabunPSK" panose="020B0500040200020003" pitchFamily="34" charset="-34"/>
+              </a:rPr>
+              <a:t>.</a:t>
+            </a:r>
+            <a:r>
+              <a:rPr lang="th-TH" sz="2400" dirty="0">
+                <a:solidFill>
+                  <a:schemeClr val="bg1"/>
+                </a:solidFill>
+                <a:latin typeface="TH SarabunPSK" panose="020B0500040200020003" pitchFamily="34" charset="-34"/>
+                <a:cs typeface="TH SarabunPSK" panose="020B0500040200020003" pitchFamily="34" charset="-34"/>
+              </a:rPr>
+              <a:t>ธนพงศ์ อินทระ สาขาวิชาสถิติ มหาวิทยาลัยขอนแก่น </a:t>
+            </a:r>
+          </a:p>
+        </p:txBody>
+      </p:sp>
     </p:spTree>
     <p:extLst>
       <p:ext uri="{BB962C8B-B14F-4D97-AF65-F5344CB8AC3E}">
@@ -14952,6 +16023,88 @@
           </a:p>
         </p:txBody>
       </p:sp>
+      <p:sp>
+        <p:nvSpPr>
+          <p:cNvPr id="9" name="TextBox 8">
+            <a:extLst>
+              <a:ext uri="{FF2B5EF4-FFF2-40B4-BE49-F238E27FC236}">
+                <a16:creationId xmlns:a16="http://schemas.microsoft.com/office/drawing/2014/main" id="{45FB3B42-21E3-F29C-8D90-E923137B8756}"/>
+              </a:ext>
+            </a:extLst>
+          </p:cNvPr>
+          <p:cNvSpPr txBox="1"/>
+          <p:nvPr/>
+        </p:nvSpPr>
+        <p:spPr>
+          <a:xfrm>
+            <a:off x="114677" y="6172611"/>
+            <a:ext cx="5532120" cy="461665"/>
+          </a:xfrm>
+          <a:prstGeom prst="rect">
+            <a:avLst/>
+          </a:prstGeom>
+          <a:noFill/>
+        </p:spPr>
+        <p:txBody>
+          <a:bodyPr wrap="square">
+            <a:spAutoFit/>
+          </a:bodyPr>
+          <a:lstStyle/>
+          <a:p>
+            <a:pPr algn="l"/>
+            <a:r>
+              <a:rPr lang="th-TH" sz="2400" dirty="0">
+                <a:solidFill>
+                  <a:schemeClr val="bg1"/>
+                </a:solidFill>
+                <a:latin typeface="TH SarabunPSK" panose="020B0500040200020003" pitchFamily="34" charset="-34"/>
+                <a:cs typeface="TH SarabunPSK" panose="020B0500040200020003" pitchFamily="34" charset="-34"/>
+              </a:rPr>
+              <a:t>โดย ผศ</a:t>
+            </a:r>
+            <a:r>
+              <a:rPr lang="en-US" sz="2400" dirty="0">
+                <a:solidFill>
+                  <a:schemeClr val="bg1"/>
+                </a:solidFill>
+                <a:latin typeface="TH SarabunPSK" panose="020B0500040200020003" pitchFamily="34" charset="-34"/>
+                <a:cs typeface="TH SarabunPSK" panose="020B0500040200020003" pitchFamily="34" charset="-34"/>
+              </a:rPr>
+              <a:t>. </a:t>
+            </a:r>
+            <a:r>
+              <a:rPr lang="th-TH" sz="2400" dirty="0">
+                <a:solidFill>
+                  <a:schemeClr val="bg1"/>
+                </a:solidFill>
+                <a:latin typeface="TH SarabunPSK" panose="020B0500040200020003" pitchFamily="34" charset="-34"/>
+                <a:cs typeface="TH SarabunPSK" panose="020B0500040200020003" pitchFamily="34" charset="-34"/>
+              </a:rPr>
+              <a:t>ดร</a:t>
+            </a:r>
+            <a:r>
+              <a:rPr lang="en-US" sz="2400" dirty="0">
+                <a:solidFill>
+                  <a:schemeClr val="bg1"/>
+                </a:solidFill>
+                <a:latin typeface="TH SarabunPSK" panose="020B0500040200020003" pitchFamily="34" charset="-34"/>
+                <a:cs typeface="TH SarabunPSK" panose="020B0500040200020003" pitchFamily="34" charset="-34"/>
+              </a:rPr>
+              <a:t>.</a:t>
+            </a:r>
+            <a:r>
+              <a:rPr lang="th-TH" sz="2400" dirty="0">
+                <a:solidFill>
+                  <a:schemeClr val="bg1"/>
+                </a:solidFill>
+                <a:latin typeface="TH SarabunPSK" panose="020B0500040200020003" pitchFamily="34" charset="-34"/>
+                <a:cs typeface="TH SarabunPSK" panose="020B0500040200020003" pitchFamily="34" charset="-34"/>
+              </a:rPr>
+              <a:t>ธนพงศ์ อินทระ สาขาวิชาสถิติ มหาวิทยาลัยขอนแก่น </a:t>
+            </a:r>
+          </a:p>
+        </p:txBody>
+      </p:sp>
     </p:spTree>
     <p:extLst>
       <p:ext uri="{BB962C8B-B14F-4D97-AF65-F5344CB8AC3E}">
@@ -15679,6 +16832,88 @@
           </a:p>
         </p:txBody>
       </p:sp>
+      <p:sp>
+        <p:nvSpPr>
+          <p:cNvPr id="9" name="TextBox 8">
+            <a:extLst>
+              <a:ext uri="{FF2B5EF4-FFF2-40B4-BE49-F238E27FC236}">
+                <a16:creationId xmlns:a16="http://schemas.microsoft.com/office/drawing/2014/main" id="{F746F29E-85DB-11EE-58AE-5751FCB12D2E}"/>
+              </a:ext>
+            </a:extLst>
+          </p:cNvPr>
+          <p:cNvSpPr txBox="1"/>
+          <p:nvPr/>
+        </p:nvSpPr>
+        <p:spPr>
+          <a:xfrm>
+            <a:off x="114677" y="6172611"/>
+            <a:ext cx="5532120" cy="461665"/>
+          </a:xfrm>
+          <a:prstGeom prst="rect">
+            <a:avLst/>
+          </a:prstGeom>
+          <a:noFill/>
+        </p:spPr>
+        <p:txBody>
+          <a:bodyPr wrap="square">
+            <a:spAutoFit/>
+          </a:bodyPr>
+          <a:lstStyle/>
+          <a:p>
+            <a:pPr algn="l"/>
+            <a:r>
+              <a:rPr lang="th-TH" sz="2400" dirty="0">
+                <a:solidFill>
+                  <a:schemeClr val="bg1"/>
+                </a:solidFill>
+                <a:latin typeface="TH SarabunPSK" panose="020B0500040200020003" pitchFamily="34" charset="-34"/>
+                <a:cs typeface="TH SarabunPSK" panose="020B0500040200020003" pitchFamily="34" charset="-34"/>
+              </a:rPr>
+              <a:t>โดย ผศ</a:t>
+            </a:r>
+            <a:r>
+              <a:rPr lang="en-US" sz="2400" dirty="0">
+                <a:solidFill>
+                  <a:schemeClr val="bg1"/>
+                </a:solidFill>
+                <a:latin typeface="TH SarabunPSK" panose="020B0500040200020003" pitchFamily="34" charset="-34"/>
+                <a:cs typeface="TH SarabunPSK" panose="020B0500040200020003" pitchFamily="34" charset="-34"/>
+              </a:rPr>
+              <a:t>. </a:t>
+            </a:r>
+            <a:r>
+              <a:rPr lang="th-TH" sz="2400" dirty="0">
+                <a:solidFill>
+                  <a:schemeClr val="bg1"/>
+                </a:solidFill>
+                <a:latin typeface="TH SarabunPSK" panose="020B0500040200020003" pitchFamily="34" charset="-34"/>
+                <a:cs typeface="TH SarabunPSK" panose="020B0500040200020003" pitchFamily="34" charset="-34"/>
+              </a:rPr>
+              <a:t>ดร</a:t>
+            </a:r>
+            <a:r>
+              <a:rPr lang="en-US" sz="2400" dirty="0">
+                <a:solidFill>
+                  <a:schemeClr val="bg1"/>
+                </a:solidFill>
+                <a:latin typeface="TH SarabunPSK" panose="020B0500040200020003" pitchFamily="34" charset="-34"/>
+                <a:cs typeface="TH SarabunPSK" panose="020B0500040200020003" pitchFamily="34" charset="-34"/>
+              </a:rPr>
+              <a:t>.</a:t>
+            </a:r>
+            <a:r>
+              <a:rPr lang="th-TH" sz="2400" dirty="0">
+                <a:solidFill>
+                  <a:schemeClr val="bg1"/>
+                </a:solidFill>
+                <a:latin typeface="TH SarabunPSK" panose="020B0500040200020003" pitchFamily="34" charset="-34"/>
+                <a:cs typeface="TH SarabunPSK" panose="020B0500040200020003" pitchFamily="34" charset="-34"/>
+              </a:rPr>
+              <a:t>ธนพงศ์ อินทระ สาขาวิชาสถิติ มหาวิทยาลัยขอนแก่น </a:t>
+            </a:r>
+          </a:p>
+        </p:txBody>
+      </p:sp>
     </p:spTree>
     <p:extLst>
       <p:ext uri="{BB962C8B-B14F-4D97-AF65-F5344CB8AC3E}">
@@ -16458,6 +17693,88 @@
           </a:p>
         </p:txBody>
       </p:sp>
+      <p:sp>
+        <p:nvSpPr>
+          <p:cNvPr id="9" name="TextBox 8">
+            <a:extLst>
+              <a:ext uri="{FF2B5EF4-FFF2-40B4-BE49-F238E27FC236}">
+                <a16:creationId xmlns:a16="http://schemas.microsoft.com/office/drawing/2014/main" id="{4FB8BCDF-D2F2-383E-2E7C-E3DB5BE46056}"/>
+              </a:ext>
+            </a:extLst>
+          </p:cNvPr>
+          <p:cNvSpPr txBox="1"/>
+          <p:nvPr/>
+        </p:nvSpPr>
+        <p:spPr>
+          <a:xfrm>
+            <a:off x="114677" y="6172611"/>
+            <a:ext cx="5532120" cy="461665"/>
+          </a:xfrm>
+          <a:prstGeom prst="rect">
+            <a:avLst/>
+          </a:prstGeom>
+          <a:noFill/>
+        </p:spPr>
+        <p:txBody>
+          <a:bodyPr wrap="square">
+            <a:spAutoFit/>
+          </a:bodyPr>
+          <a:lstStyle/>
+          <a:p>
+            <a:pPr algn="l"/>
+            <a:r>
+              <a:rPr lang="th-TH" sz="2400" dirty="0">
+                <a:solidFill>
+                  <a:schemeClr val="bg1"/>
+                </a:solidFill>
+                <a:latin typeface="TH SarabunPSK" panose="020B0500040200020003" pitchFamily="34" charset="-34"/>
+                <a:cs typeface="TH SarabunPSK" panose="020B0500040200020003" pitchFamily="34" charset="-34"/>
+              </a:rPr>
+              <a:t>โดย ผศ</a:t>
+            </a:r>
+            <a:r>
+              <a:rPr lang="en-US" sz="2400" dirty="0">
+                <a:solidFill>
+                  <a:schemeClr val="bg1"/>
+                </a:solidFill>
+                <a:latin typeface="TH SarabunPSK" panose="020B0500040200020003" pitchFamily="34" charset="-34"/>
+                <a:cs typeface="TH SarabunPSK" panose="020B0500040200020003" pitchFamily="34" charset="-34"/>
+              </a:rPr>
+              <a:t>. </a:t>
+            </a:r>
+            <a:r>
+              <a:rPr lang="th-TH" sz="2400" dirty="0">
+                <a:solidFill>
+                  <a:schemeClr val="bg1"/>
+                </a:solidFill>
+                <a:latin typeface="TH SarabunPSK" panose="020B0500040200020003" pitchFamily="34" charset="-34"/>
+                <a:cs typeface="TH SarabunPSK" panose="020B0500040200020003" pitchFamily="34" charset="-34"/>
+              </a:rPr>
+              <a:t>ดร</a:t>
+            </a:r>
+            <a:r>
+              <a:rPr lang="en-US" sz="2400" dirty="0">
+                <a:solidFill>
+                  <a:schemeClr val="bg1"/>
+                </a:solidFill>
+                <a:latin typeface="TH SarabunPSK" panose="020B0500040200020003" pitchFamily="34" charset="-34"/>
+                <a:cs typeface="TH SarabunPSK" panose="020B0500040200020003" pitchFamily="34" charset="-34"/>
+              </a:rPr>
+              <a:t>.</a:t>
+            </a:r>
+            <a:r>
+              <a:rPr lang="th-TH" sz="2400" dirty="0">
+                <a:solidFill>
+                  <a:schemeClr val="bg1"/>
+                </a:solidFill>
+                <a:latin typeface="TH SarabunPSK" panose="020B0500040200020003" pitchFamily="34" charset="-34"/>
+                <a:cs typeface="TH SarabunPSK" panose="020B0500040200020003" pitchFamily="34" charset="-34"/>
+              </a:rPr>
+              <a:t>ธนพงศ์ อินทระ สาขาวิชาสถิติ มหาวิทยาลัยขอนแก่น </a:t>
+            </a:r>
+          </a:p>
+        </p:txBody>
+      </p:sp>
     </p:spTree>
     <p:extLst>
       <p:ext uri="{BB962C8B-B14F-4D97-AF65-F5344CB8AC3E}">
@@ -17179,6 +18496,88 @@
           </a:p>
         </p:txBody>
       </p:sp>
+      <p:sp>
+        <p:nvSpPr>
+          <p:cNvPr id="9" name="TextBox 8">
+            <a:extLst>
+              <a:ext uri="{FF2B5EF4-FFF2-40B4-BE49-F238E27FC236}">
+                <a16:creationId xmlns:a16="http://schemas.microsoft.com/office/drawing/2014/main" id="{67BD3225-C636-DB0A-F4A1-CD7B47F10497}"/>
+              </a:ext>
+            </a:extLst>
+          </p:cNvPr>
+          <p:cNvSpPr txBox="1"/>
+          <p:nvPr/>
+        </p:nvSpPr>
+        <p:spPr>
+          <a:xfrm>
+            <a:off x="114677" y="6172611"/>
+            <a:ext cx="5532120" cy="461665"/>
+          </a:xfrm>
+          <a:prstGeom prst="rect">
+            <a:avLst/>
+          </a:prstGeom>
+          <a:noFill/>
+        </p:spPr>
+        <p:txBody>
+          <a:bodyPr wrap="square">
+            <a:spAutoFit/>
+          </a:bodyPr>
+          <a:lstStyle/>
+          <a:p>
+            <a:pPr algn="l"/>
+            <a:r>
+              <a:rPr lang="th-TH" sz="2400" dirty="0">
+                <a:solidFill>
+                  <a:schemeClr val="bg1"/>
+                </a:solidFill>
+                <a:latin typeface="TH SarabunPSK" panose="020B0500040200020003" pitchFamily="34" charset="-34"/>
+                <a:cs typeface="TH SarabunPSK" panose="020B0500040200020003" pitchFamily="34" charset="-34"/>
+              </a:rPr>
+              <a:t>โดย ผศ</a:t>
+            </a:r>
+            <a:r>
+              <a:rPr lang="en-US" sz="2400" dirty="0">
+                <a:solidFill>
+                  <a:schemeClr val="bg1"/>
+                </a:solidFill>
+                <a:latin typeface="TH SarabunPSK" panose="020B0500040200020003" pitchFamily="34" charset="-34"/>
+                <a:cs typeface="TH SarabunPSK" panose="020B0500040200020003" pitchFamily="34" charset="-34"/>
+              </a:rPr>
+              <a:t>. </a:t>
+            </a:r>
+            <a:r>
+              <a:rPr lang="th-TH" sz="2400" dirty="0">
+                <a:solidFill>
+                  <a:schemeClr val="bg1"/>
+                </a:solidFill>
+                <a:latin typeface="TH SarabunPSK" panose="020B0500040200020003" pitchFamily="34" charset="-34"/>
+                <a:cs typeface="TH SarabunPSK" panose="020B0500040200020003" pitchFamily="34" charset="-34"/>
+              </a:rPr>
+              <a:t>ดร</a:t>
+            </a:r>
+            <a:r>
+              <a:rPr lang="en-US" sz="2400" dirty="0">
+                <a:solidFill>
+                  <a:schemeClr val="bg1"/>
+                </a:solidFill>
+                <a:latin typeface="TH SarabunPSK" panose="020B0500040200020003" pitchFamily="34" charset="-34"/>
+                <a:cs typeface="TH SarabunPSK" panose="020B0500040200020003" pitchFamily="34" charset="-34"/>
+              </a:rPr>
+              <a:t>.</a:t>
+            </a:r>
+            <a:r>
+              <a:rPr lang="th-TH" sz="2400" dirty="0">
+                <a:solidFill>
+                  <a:schemeClr val="bg1"/>
+                </a:solidFill>
+                <a:latin typeface="TH SarabunPSK" panose="020B0500040200020003" pitchFamily="34" charset="-34"/>
+                <a:cs typeface="TH SarabunPSK" panose="020B0500040200020003" pitchFamily="34" charset="-34"/>
+              </a:rPr>
+              <a:t>ธนพงศ์ อินทระ สาขาวิชาสถิติ มหาวิทยาลัยขอนแก่น </a:t>
+            </a:r>
+          </a:p>
+        </p:txBody>
+      </p:sp>
     </p:spTree>
     <p:extLst>
       <p:ext uri="{BB962C8B-B14F-4D97-AF65-F5344CB8AC3E}">
@@ -17885,6 +19284,88 @@
           </a:p>
         </p:txBody>
       </p:sp>
+      <p:sp>
+        <p:nvSpPr>
+          <p:cNvPr id="9" name="TextBox 8">
+            <a:extLst>
+              <a:ext uri="{FF2B5EF4-FFF2-40B4-BE49-F238E27FC236}">
+                <a16:creationId xmlns:a16="http://schemas.microsoft.com/office/drawing/2014/main" id="{667794AC-2E2C-423E-CBC8-DF2EE8BADA3E}"/>
+              </a:ext>
+            </a:extLst>
+          </p:cNvPr>
+          <p:cNvSpPr txBox="1"/>
+          <p:nvPr/>
+        </p:nvSpPr>
+        <p:spPr>
+          <a:xfrm>
+            <a:off x="114677" y="6172611"/>
+            <a:ext cx="5532120" cy="461665"/>
+          </a:xfrm>
+          <a:prstGeom prst="rect">
+            <a:avLst/>
+          </a:prstGeom>
+          <a:noFill/>
+        </p:spPr>
+        <p:txBody>
+          <a:bodyPr wrap="square">
+            <a:spAutoFit/>
+          </a:bodyPr>
+          <a:lstStyle/>
+          <a:p>
+            <a:pPr algn="l"/>
+            <a:r>
+              <a:rPr lang="th-TH" sz="2400" dirty="0">
+                <a:solidFill>
+                  <a:schemeClr val="bg1"/>
+                </a:solidFill>
+                <a:latin typeface="TH SarabunPSK" panose="020B0500040200020003" pitchFamily="34" charset="-34"/>
+                <a:cs typeface="TH SarabunPSK" panose="020B0500040200020003" pitchFamily="34" charset="-34"/>
+              </a:rPr>
+              <a:t>โดย ผศ</a:t>
+            </a:r>
+            <a:r>
+              <a:rPr lang="en-US" sz="2400" dirty="0">
+                <a:solidFill>
+                  <a:schemeClr val="bg1"/>
+                </a:solidFill>
+                <a:latin typeface="TH SarabunPSK" panose="020B0500040200020003" pitchFamily="34" charset="-34"/>
+                <a:cs typeface="TH SarabunPSK" panose="020B0500040200020003" pitchFamily="34" charset="-34"/>
+              </a:rPr>
+              <a:t>. </a:t>
+            </a:r>
+            <a:r>
+              <a:rPr lang="th-TH" sz="2400" dirty="0">
+                <a:solidFill>
+                  <a:schemeClr val="bg1"/>
+                </a:solidFill>
+                <a:latin typeface="TH SarabunPSK" panose="020B0500040200020003" pitchFamily="34" charset="-34"/>
+                <a:cs typeface="TH SarabunPSK" panose="020B0500040200020003" pitchFamily="34" charset="-34"/>
+              </a:rPr>
+              <a:t>ดร</a:t>
+            </a:r>
+            <a:r>
+              <a:rPr lang="en-US" sz="2400" dirty="0">
+                <a:solidFill>
+                  <a:schemeClr val="bg1"/>
+                </a:solidFill>
+                <a:latin typeface="TH SarabunPSK" panose="020B0500040200020003" pitchFamily="34" charset="-34"/>
+                <a:cs typeface="TH SarabunPSK" panose="020B0500040200020003" pitchFamily="34" charset="-34"/>
+              </a:rPr>
+              <a:t>.</a:t>
+            </a:r>
+            <a:r>
+              <a:rPr lang="th-TH" sz="2400" dirty="0">
+                <a:solidFill>
+                  <a:schemeClr val="bg1"/>
+                </a:solidFill>
+                <a:latin typeface="TH SarabunPSK" panose="020B0500040200020003" pitchFamily="34" charset="-34"/>
+                <a:cs typeface="TH SarabunPSK" panose="020B0500040200020003" pitchFamily="34" charset="-34"/>
+              </a:rPr>
+              <a:t>ธนพงศ์ อินทระ สาขาวิชาสถิติ มหาวิทยาลัยขอนแก่น </a:t>
+            </a:r>
+          </a:p>
+        </p:txBody>
+      </p:sp>
     </p:spTree>
     <p:extLst>
       <p:ext uri="{BB962C8B-B14F-4D97-AF65-F5344CB8AC3E}">
@@ -18530,6 +20011,88 @@
           </a:p>
         </p:txBody>
       </p:sp>
+      <p:sp>
+        <p:nvSpPr>
+          <p:cNvPr id="9" name="TextBox 8">
+            <a:extLst>
+              <a:ext uri="{FF2B5EF4-FFF2-40B4-BE49-F238E27FC236}">
+                <a16:creationId xmlns:a16="http://schemas.microsoft.com/office/drawing/2014/main" id="{38388D8B-D80B-043F-B2E3-D9939A4C222E}"/>
+              </a:ext>
+            </a:extLst>
+          </p:cNvPr>
+          <p:cNvSpPr txBox="1"/>
+          <p:nvPr/>
+        </p:nvSpPr>
+        <p:spPr>
+          <a:xfrm>
+            <a:off x="114677" y="6172611"/>
+            <a:ext cx="5532120" cy="461665"/>
+          </a:xfrm>
+          <a:prstGeom prst="rect">
+            <a:avLst/>
+          </a:prstGeom>
+          <a:noFill/>
+        </p:spPr>
+        <p:txBody>
+          <a:bodyPr wrap="square">
+            <a:spAutoFit/>
+          </a:bodyPr>
+          <a:lstStyle/>
+          <a:p>
+            <a:pPr algn="l"/>
+            <a:r>
+              <a:rPr lang="th-TH" sz="2400" dirty="0">
+                <a:solidFill>
+                  <a:schemeClr val="bg1"/>
+                </a:solidFill>
+                <a:latin typeface="TH SarabunPSK" panose="020B0500040200020003" pitchFamily="34" charset="-34"/>
+                <a:cs typeface="TH SarabunPSK" panose="020B0500040200020003" pitchFamily="34" charset="-34"/>
+              </a:rPr>
+              <a:t>โดย ผศ</a:t>
+            </a:r>
+            <a:r>
+              <a:rPr lang="en-US" sz="2400" dirty="0">
+                <a:solidFill>
+                  <a:schemeClr val="bg1"/>
+                </a:solidFill>
+                <a:latin typeface="TH SarabunPSK" panose="020B0500040200020003" pitchFamily="34" charset="-34"/>
+                <a:cs typeface="TH SarabunPSK" panose="020B0500040200020003" pitchFamily="34" charset="-34"/>
+              </a:rPr>
+              <a:t>. </a:t>
+            </a:r>
+            <a:r>
+              <a:rPr lang="th-TH" sz="2400" dirty="0">
+                <a:solidFill>
+                  <a:schemeClr val="bg1"/>
+                </a:solidFill>
+                <a:latin typeface="TH SarabunPSK" panose="020B0500040200020003" pitchFamily="34" charset="-34"/>
+                <a:cs typeface="TH SarabunPSK" panose="020B0500040200020003" pitchFamily="34" charset="-34"/>
+              </a:rPr>
+              <a:t>ดร</a:t>
+            </a:r>
+            <a:r>
+              <a:rPr lang="en-US" sz="2400" dirty="0">
+                <a:solidFill>
+                  <a:schemeClr val="bg1"/>
+                </a:solidFill>
+                <a:latin typeface="TH SarabunPSK" panose="020B0500040200020003" pitchFamily="34" charset="-34"/>
+                <a:cs typeface="TH SarabunPSK" panose="020B0500040200020003" pitchFamily="34" charset="-34"/>
+              </a:rPr>
+              <a:t>.</a:t>
+            </a:r>
+            <a:r>
+              <a:rPr lang="th-TH" sz="2400" dirty="0">
+                <a:solidFill>
+                  <a:schemeClr val="bg1"/>
+                </a:solidFill>
+                <a:latin typeface="TH SarabunPSK" panose="020B0500040200020003" pitchFamily="34" charset="-34"/>
+                <a:cs typeface="TH SarabunPSK" panose="020B0500040200020003" pitchFamily="34" charset="-34"/>
+              </a:rPr>
+              <a:t>ธนพงศ์ อินทระ สาขาวิชาสถิติ มหาวิทยาลัยขอนแก่น </a:t>
+            </a:r>
+          </a:p>
+        </p:txBody>
+      </p:sp>
     </p:spTree>
     <p:extLst>
       <p:ext uri="{BB962C8B-B14F-4D97-AF65-F5344CB8AC3E}">
@@ -19162,6 +20725,88 @@
           </a:p>
         </p:txBody>
       </p:sp>
+      <p:sp>
+        <p:nvSpPr>
+          <p:cNvPr id="9" name="TextBox 8">
+            <a:extLst>
+              <a:ext uri="{FF2B5EF4-FFF2-40B4-BE49-F238E27FC236}">
+                <a16:creationId xmlns:a16="http://schemas.microsoft.com/office/drawing/2014/main" id="{2C4604E4-CB49-AF4A-C7E8-B0C50F20BB52}"/>
+              </a:ext>
+            </a:extLst>
+          </p:cNvPr>
+          <p:cNvSpPr txBox="1"/>
+          <p:nvPr/>
+        </p:nvSpPr>
+        <p:spPr>
+          <a:xfrm>
+            <a:off x="114677" y="6172611"/>
+            <a:ext cx="5532120" cy="461665"/>
+          </a:xfrm>
+          <a:prstGeom prst="rect">
+            <a:avLst/>
+          </a:prstGeom>
+          <a:noFill/>
+        </p:spPr>
+        <p:txBody>
+          <a:bodyPr wrap="square">
+            <a:spAutoFit/>
+          </a:bodyPr>
+          <a:lstStyle/>
+          <a:p>
+            <a:pPr algn="l"/>
+            <a:r>
+              <a:rPr lang="th-TH" sz="2400" dirty="0">
+                <a:solidFill>
+                  <a:schemeClr val="bg1"/>
+                </a:solidFill>
+                <a:latin typeface="TH SarabunPSK" panose="020B0500040200020003" pitchFamily="34" charset="-34"/>
+                <a:cs typeface="TH SarabunPSK" panose="020B0500040200020003" pitchFamily="34" charset="-34"/>
+              </a:rPr>
+              <a:t>โดย ผศ</a:t>
+            </a:r>
+            <a:r>
+              <a:rPr lang="en-US" sz="2400" dirty="0">
+                <a:solidFill>
+                  <a:schemeClr val="bg1"/>
+                </a:solidFill>
+                <a:latin typeface="TH SarabunPSK" panose="020B0500040200020003" pitchFamily="34" charset="-34"/>
+                <a:cs typeface="TH SarabunPSK" panose="020B0500040200020003" pitchFamily="34" charset="-34"/>
+              </a:rPr>
+              <a:t>. </a:t>
+            </a:r>
+            <a:r>
+              <a:rPr lang="th-TH" sz="2400" dirty="0">
+                <a:solidFill>
+                  <a:schemeClr val="bg1"/>
+                </a:solidFill>
+                <a:latin typeface="TH SarabunPSK" panose="020B0500040200020003" pitchFamily="34" charset="-34"/>
+                <a:cs typeface="TH SarabunPSK" panose="020B0500040200020003" pitchFamily="34" charset="-34"/>
+              </a:rPr>
+              <a:t>ดร</a:t>
+            </a:r>
+            <a:r>
+              <a:rPr lang="en-US" sz="2400" dirty="0">
+                <a:solidFill>
+                  <a:schemeClr val="bg1"/>
+                </a:solidFill>
+                <a:latin typeface="TH SarabunPSK" panose="020B0500040200020003" pitchFamily="34" charset="-34"/>
+                <a:cs typeface="TH SarabunPSK" panose="020B0500040200020003" pitchFamily="34" charset="-34"/>
+              </a:rPr>
+              <a:t>.</a:t>
+            </a:r>
+            <a:r>
+              <a:rPr lang="th-TH" sz="2400" dirty="0">
+                <a:solidFill>
+                  <a:schemeClr val="bg1"/>
+                </a:solidFill>
+                <a:latin typeface="TH SarabunPSK" panose="020B0500040200020003" pitchFamily="34" charset="-34"/>
+                <a:cs typeface="TH SarabunPSK" panose="020B0500040200020003" pitchFamily="34" charset="-34"/>
+              </a:rPr>
+              <a:t>ธนพงศ์ อินทระ สาขาวิชาสถิติ มหาวิทยาลัยขอนแก่น </a:t>
+            </a:r>
+          </a:p>
+        </p:txBody>
+      </p:sp>
     </p:spTree>
     <p:extLst>
       <p:ext uri="{BB962C8B-B14F-4D97-AF65-F5344CB8AC3E}">
@@ -19987,6 +21632,88 @@
           </a:p>
         </p:txBody>
       </p:sp>
+      <p:sp>
+        <p:nvSpPr>
+          <p:cNvPr id="9" name="TextBox 8">
+            <a:extLst>
+              <a:ext uri="{FF2B5EF4-FFF2-40B4-BE49-F238E27FC236}">
+                <a16:creationId xmlns:a16="http://schemas.microsoft.com/office/drawing/2014/main" id="{8AA66B01-E289-1746-12F0-D164189E6724}"/>
+              </a:ext>
+            </a:extLst>
+          </p:cNvPr>
+          <p:cNvSpPr txBox="1"/>
+          <p:nvPr/>
+        </p:nvSpPr>
+        <p:spPr>
+          <a:xfrm>
+            <a:off x="114677" y="6172611"/>
+            <a:ext cx="5532120" cy="461665"/>
+          </a:xfrm>
+          <a:prstGeom prst="rect">
+            <a:avLst/>
+          </a:prstGeom>
+          <a:noFill/>
+        </p:spPr>
+        <p:txBody>
+          <a:bodyPr wrap="square">
+            <a:spAutoFit/>
+          </a:bodyPr>
+          <a:lstStyle/>
+          <a:p>
+            <a:pPr algn="l"/>
+            <a:r>
+              <a:rPr lang="th-TH" sz="2400" dirty="0">
+                <a:solidFill>
+                  <a:schemeClr val="bg1"/>
+                </a:solidFill>
+                <a:latin typeface="TH SarabunPSK" panose="020B0500040200020003" pitchFamily="34" charset="-34"/>
+                <a:cs typeface="TH SarabunPSK" panose="020B0500040200020003" pitchFamily="34" charset="-34"/>
+              </a:rPr>
+              <a:t>โดย ผศ</a:t>
+            </a:r>
+            <a:r>
+              <a:rPr lang="en-US" sz="2400" dirty="0">
+                <a:solidFill>
+                  <a:schemeClr val="bg1"/>
+                </a:solidFill>
+                <a:latin typeface="TH SarabunPSK" panose="020B0500040200020003" pitchFamily="34" charset="-34"/>
+                <a:cs typeface="TH SarabunPSK" panose="020B0500040200020003" pitchFamily="34" charset="-34"/>
+              </a:rPr>
+              <a:t>. </a:t>
+            </a:r>
+            <a:r>
+              <a:rPr lang="th-TH" sz="2400" dirty="0">
+                <a:solidFill>
+                  <a:schemeClr val="bg1"/>
+                </a:solidFill>
+                <a:latin typeface="TH SarabunPSK" panose="020B0500040200020003" pitchFamily="34" charset="-34"/>
+                <a:cs typeface="TH SarabunPSK" panose="020B0500040200020003" pitchFamily="34" charset="-34"/>
+              </a:rPr>
+              <a:t>ดร</a:t>
+            </a:r>
+            <a:r>
+              <a:rPr lang="en-US" sz="2400" dirty="0">
+                <a:solidFill>
+                  <a:schemeClr val="bg1"/>
+                </a:solidFill>
+                <a:latin typeface="TH SarabunPSK" panose="020B0500040200020003" pitchFamily="34" charset="-34"/>
+                <a:cs typeface="TH SarabunPSK" panose="020B0500040200020003" pitchFamily="34" charset="-34"/>
+              </a:rPr>
+              <a:t>.</a:t>
+            </a:r>
+            <a:r>
+              <a:rPr lang="th-TH" sz="2400" dirty="0">
+                <a:solidFill>
+                  <a:schemeClr val="bg1"/>
+                </a:solidFill>
+                <a:latin typeface="TH SarabunPSK" panose="020B0500040200020003" pitchFamily="34" charset="-34"/>
+                <a:cs typeface="TH SarabunPSK" panose="020B0500040200020003" pitchFamily="34" charset="-34"/>
+              </a:rPr>
+              <a:t>ธนพงศ์ อินทระ สาขาวิชาสถิติ มหาวิทยาลัยขอนแก่น </a:t>
+            </a:r>
+          </a:p>
+        </p:txBody>
+      </p:sp>
     </p:spTree>
     <p:extLst>
       <p:ext uri="{BB962C8B-B14F-4D97-AF65-F5344CB8AC3E}">
@@ -20769,6 +22496,88 @@
           </a:p>
         </p:txBody>
       </p:sp>
+      <p:sp>
+        <p:nvSpPr>
+          <p:cNvPr id="9" name="TextBox 8">
+            <a:extLst>
+              <a:ext uri="{FF2B5EF4-FFF2-40B4-BE49-F238E27FC236}">
+                <a16:creationId xmlns:a16="http://schemas.microsoft.com/office/drawing/2014/main" id="{268640A4-1B4F-93A6-D977-AAD9ED7AE19A}"/>
+              </a:ext>
+            </a:extLst>
+          </p:cNvPr>
+          <p:cNvSpPr txBox="1"/>
+          <p:nvPr/>
+        </p:nvSpPr>
+        <p:spPr>
+          <a:xfrm>
+            <a:off x="114677" y="6172611"/>
+            <a:ext cx="5532120" cy="461665"/>
+          </a:xfrm>
+          <a:prstGeom prst="rect">
+            <a:avLst/>
+          </a:prstGeom>
+          <a:noFill/>
+        </p:spPr>
+        <p:txBody>
+          <a:bodyPr wrap="square">
+            <a:spAutoFit/>
+          </a:bodyPr>
+          <a:lstStyle/>
+          <a:p>
+            <a:pPr algn="l"/>
+            <a:r>
+              <a:rPr lang="th-TH" sz="2400" dirty="0">
+                <a:solidFill>
+                  <a:schemeClr val="bg1"/>
+                </a:solidFill>
+                <a:latin typeface="TH SarabunPSK" panose="020B0500040200020003" pitchFamily="34" charset="-34"/>
+                <a:cs typeface="TH SarabunPSK" panose="020B0500040200020003" pitchFamily="34" charset="-34"/>
+              </a:rPr>
+              <a:t>โดย ผศ</a:t>
+            </a:r>
+            <a:r>
+              <a:rPr lang="en-US" sz="2400" dirty="0">
+                <a:solidFill>
+                  <a:schemeClr val="bg1"/>
+                </a:solidFill>
+                <a:latin typeface="TH SarabunPSK" panose="020B0500040200020003" pitchFamily="34" charset="-34"/>
+                <a:cs typeface="TH SarabunPSK" panose="020B0500040200020003" pitchFamily="34" charset="-34"/>
+              </a:rPr>
+              <a:t>. </a:t>
+            </a:r>
+            <a:r>
+              <a:rPr lang="th-TH" sz="2400" dirty="0">
+                <a:solidFill>
+                  <a:schemeClr val="bg1"/>
+                </a:solidFill>
+                <a:latin typeface="TH SarabunPSK" panose="020B0500040200020003" pitchFamily="34" charset="-34"/>
+                <a:cs typeface="TH SarabunPSK" panose="020B0500040200020003" pitchFamily="34" charset="-34"/>
+              </a:rPr>
+              <a:t>ดร</a:t>
+            </a:r>
+            <a:r>
+              <a:rPr lang="en-US" sz="2400" dirty="0">
+                <a:solidFill>
+                  <a:schemeClr val="bg1"/>
+                </a:solidFill>
+                <a:latin typeface="TH SarabunPSK" panose="020B0500040200020003" pitchFamily="34" charset="-34"/>
+                <a:cs typeface="TH SarabunPSK" panose="020B0500040200020003" pitchFamily="34" charset="-34"/>
+              </a:rPr>
+              <a:t>.</a:t>
+            </a:r>
+            <a:r>
+              <a:rPr lang="th-TH" sz="2400" dirty="0">
+                <a:solidFill>
+                  <a:schemeClr val="bg1"/>
+                </a:solidFill>
+                <a:latin typeface="TH SarabunPSK" panose="020B0500040200020003" pitchFamily="34" charset="-34"/>
+                <a:cs typeface="TH SarabunPSK" panose="020B0500040200020003" pitchFamily="34" charset="-34"/>
+              </a:rPr>
+              <a:t>ธนพงศ์ อินทระ สาขาวิชาสถิติ มหาวิทยาลัยขอนแก่น </a:t>
+            </a:r>
+          </a:p>
+        </p:txBody>
+      </p:sp>
     </p:spTree>
     <p:extLst>
       <p:ext uri="{BB962C8B-B14F-4D97-AF65-F5344CB8AC3E}">
@@ -21457,6 +23266,88 @@
           </a:p>
         </p:txBody>
       </p:sp>
+      <p:sp>
+        <p:nvSpPr>
+          <p:cNvPr id="9" name="TextBox 8">
+            <a:extLst>
+              <a:ext uri="{FF2B5EF4-FFF2-40B4-BE49-F238E27FC236}">
+                <a16:creationId xmlns:a16="http://schemas.microsoft.com/office/drawing/2014/main" id="{57EA5827-EE31-3BDC-4B8E-13615A5F1767}"/>
+              </a:ext>
+            </a:extLst>
+          </p:cNvPr>
+          <p:cNvSpPr txBox="1"/>
+          <p:nvPr/>
+        </p:nvSpPr>
+        <p:spPr>
+          <a:xfrm>
+            <a:off x="114677" y="6172611"/>
+            <a:ext cx="5532120" cy="461665"/>
+          </a:xfrm>
+          <a:prstGeom prst="rect">
+            <a:avLst/>
+          </a:prstGeom>
+          <a:noFill/>
+        </p:spPr>
+        <p:txBody>
+          <a:bodyPr wrap="square">
+            <a:spAutoFit/>
+          </a:bodyPr>
+          <a:lstStyle/>
+          <a:p>
+            <a:pPr algn="l"/>
+            <a:r>
+              <a:rPr lang="th-TH" sz="2400" dirty="0">
+                <a:solidFill>
+                  <a:schemeClr val="bg1"/>
+                </a:solidFill>
+                <a:latin typeface="TH SarabunPSK" panose="020B0500040200020003" pitchFamily="34" charset="-34"/>
+                <a:cs typeface="TH SarabunPSK" panose="020B0500040200020003" pitchFamily="34" charset="-34"/>
+              </a:rPr>
+              <a:t>โดย ผศ</a:t>
+            </a:r>
+            <a:r>
+              <a:rPr lang="en-US" sz="2400" dirty="0">
+                <a:solidFill>
+                  <a:schemeClr val="bg1"/>
+                </a:solidFill>
+                <a:latin typeface="TH SarabunPSK" panose="020B0500040200020003" pitchFamily="34" charset="-34"/>
+                <a:cs typeface="TH SarabunPSK" panose="020B0500040200020003" pitchFamily="34" charset="-34"/>
+              </a:rPr>
+              <a:t>. </a:t>
+            </a:r>
+            <a:r>
+              <a:rPr lang="th-TH" sz="2400" dirty="0">
+                <a:solidFill>
+                  <a:schemeClr val="bg1"/>
+                </a:solidFill>
+                <a:latin typeface="TH SarabunPSK" panose="020B0500040200020003" pitchFamily="34" charset="-34"/>
+                <a:cs typeface="TH SarabunPSK" panose="020B0500040200020003" pitchFamily="34" charset="-34"/>
+              </a:rPr>
+              <a:t>ดร</a:t>
+            </a:r>
+            <a:r>
+              <a:rPr lang="en-US" sz="2400" dirty="0">
+                <a:solidFill>
+                  <a:schemeClr val="bg1"/>
+                </a:solidFill>
+                <a:latin typeface="TH SarabunPSK" panose="020B0500040200020003" pitchFamily="34" charset="-34"/>
+                <a:cs typeface="TH SarabunPSK" panose="020B0500040200020003" pitchFamily="34" charset="-34"/>
+              </a:rPr>
+              <a:t>.</a:t>
+            </a:r>
+            <a:r>
+              <a:rPr lang="th-TH" sz="2400" dirty="0">
+                <a:solidFill>
+                  <a:schemeClr val="bg1"/>
+                </a:solidFill>
+                <a:latin typeface="TH SarabunPSK" panose="020B0500040200020003" pitchFamily="34" charset="-34"/>
+                <a:cs typeface="TH SarabunPSK" panose="020B0500040200020003" pitchFamily="34" charset="-34"/>
+              </a:rPr>
+              <a:t>ธนพงศ์ อินทระ สาขาวิชาสถิติ มหาวิทยาลัยขอนแก่น </a:t>
+            </a:r>
+          </a:p>
+        </p:txBody>
+      </p:sp>
     </p:spTree>
     <p:extLst>
       <p:ext uri="{BB962C8B-B14F-4D97-AF65-F5344CB8AC3E}">
@@ -22219,6 +24110,88 @@
           </a:p>
         </p:txBody>
       </p:sp>
+      <p:sp>
+        <p:nvSpPr>
+          <p:cNvPr id="9" name="TextBox 8">
+            <a:extLst>
+              <a:ext uri="{FF2B5EF4-FFF2-40B4-BE49-F238E27FC236}">
+                <a16:creationId xmlns:a16="http://schemas.microsoft.com/office/drawing/2014/main" id="{3C1DC9E4-D935-03E3-B1EA-6CA2683E1F7F}"/>
+              </a:ext>
+            </a:extLst>
+          </p:cNvPr>
+          <p:cNvSpPr txBox="1"/>
+          <p:nvPr/>
+        </p:nvSpPr>
+        <p:spPr>
+          <a:xfrm>
+            <a:off x="114677" y="6172611"/>
+            <a:ext cx="5532120" cy="461665"/>
+          </a:xfrm>
+          <a:prstGeom prst="rect">
+            <a:avLst/>
+          </a:prstGeom>
+          <a:noFill/>
+        </p:spPr>
+        <p:txBody>
+          <a:bodyPr wrap="square">
+            <a:spAutoFit/>
+          </a:bodyPr>
+          <a:lstStyle/>
+          <a:p>
+            <a:pPr algn="l"/>
+            <a:r>
+              <a:rPr lang="th-TH" sz="2400" dirty="0">
+                <a:solidFill>
+                  <a:schemeClr val="bg1"/>
+                </a:solidFill>
+                <a:latin typeface="TH SarabunPSK" panose="020B0500040200020003" pitchFamily="34" charset="-34"/>
+                <a:cs typeface="TH SarabunPSK" panose="020B0500040200020003" pitchFamily="34" charset="-34"/>
+              </a:rPr>
+              <a:t>โดย ผศ</a:t>
+            </a:r>
+            <a:r>
+              <a:rPr lang="en-US" sz="2400" dirty="0">
+                <a:solidFill>
+                  <a:schemeClr val="bg1"/>
+                </a:solidFill>
+                <a:latin typeface="TH SarabunPSK" panose="020B0500040200020003" pitchFamily="34" charset="-34"/>
+                <a:cs typeface="TH SarabunPSK" panose="020B0500040200020003" pitchFamily="34" charset="-34"/>
+              </a:rPr>
+              <a:t>. </a:t>
+            </a:r>
+            <a:r>
+              <a:rPr lang="th-TH" sz="2400" dirty="0">
+                <a:solidFill>
+                  <a:schemeClr val="bg1"/>
+                </a:solidFill>
+                <a:latin typeface="TH SarabunPSK" panose="020B0500040200020003" pitchFamily="34" charset="-34"/>
+                <a:cs typeface="TH SarabunPSK" panose="020B0500040200020003" pitchFamily="34" charset="-34"/>
+              </a:rPr>
+              <a:t>ดร</a:t>
+            </a:r>
+            <a:r>
+              <a:rPr lang="en-US" sz="2400" dirty="0">
+                <a:solidFill>
+                  <a:schemeClr val="bg1"/>
+                </a:solidFill>
+                <a:latin typeface="TH SarabunPSK" panose="020B0500040200020003" pitchFamily="34" charset="-34"/>
+                <a:cs typeface="TH SarabunPSK" panose="020B0500040200020003" pitchFamily="34" charset="-34"/>
+              </a:rPr>
+              <a:t>.</a:t>
+            </a:r>
+            <a:r>
+              <a:rPr lang="th-TH" sz="2400" dirty="0">
+                <a:solidFill>
+                  <a:schemeClr val="bg1"/>
+                </a:solidFill>
+                <a:latin typeface="TH SarabunPSK" panose="020B0500040200020003" pitchFamily="34" charset="-34"/>
+                <a:cs typeface="TH SarabunPSK" panose="020B0500040200020003" pitchFamily="34" charset="-34"/>
+              </a:rPr>
+              <a:t>ธนพงศ์ อินทระ สาขาวิชาสถิติ มหาวิทยาลัยขอนแก่น </a:t>
+            </a:r>
+          </a:p>
+        </p:txBody>
+      </p:sp>
     </p:spTree>
     <p:extLst>
       <p:ext uri="{BB962C8B-B14F-4D97-AF65-F5344CB8AC3E}">
@@ -23021,6 +24994,88 @@
           </a:p>
         </p:txBody>
       </p:sp>
+      <p:sp>
+        <p:nvSpPr>
+          <p:cNvPr id="9" name="TextBox 8">
+            <a:extLst>
+              <a:ext uri="{FF2B5EF4-FFF2-40B4-BE49-F238E27FC236}">
+                <a16:creationId xmlns:a16="http://schemas.microsoft.com/office/drawing/2014/main" id="{887A6B19-9BDD-6A36-B48B-EC6EBC369713}"/>
+              </a:ext>
+            </a:extLst>
+          </p:cNvPr>
+          <p:cNvSpPr txBox="1"/>
+          <p:nvPr/>
+        </p:nvSpPr>
+        <p:spPr>
+          <a:xfrm>
+            <a:off x="114677" y="6172611"/>
+            <a:ext cx="5532120" cy="461665"/>
+          </a:xfrm>
+          <a:prstGeom prst="rect">
+            <a:avLst/>
+          </a:prstGeom>
+          <a:noFill/>
+        </p:spPr>
+        <p:txBody>
+          <a:bodyPr wrap="square">
+            <a:spAutoFit/>
+          </a:bodyPr>
+          <a:lstStyle/>
+          <a:p>
+            <a:pPr algn="l"/>
+            <a:r>
+              <a:rPr lang="th-TH" sz="2400" dirty="0">
+                <a:solidFill>
+                  <a:schemeClr val="bg1"/>
+                </a:solidFill>
+                <a:latin typeface="TH SarabunPSK" panose="020B0500040200020003" pitchFamily="34" charset="-34"/>
+                <a:cs typeface="TH SarabunPSK" panose="020B0500040200020003" pitchFamily="34" charset="-34"/>
+              </a:rPr>
+              <a:t>โดย ผศ</a:t>
+            </a:r>
+            <a:r>
+              <a:rPr lang="en-US" sz="2400" dirty="0">
+                <a:solidFill>
+                  <a:schemeClr val="bg1"/>
+                </a:solidFill>
+                <a:latin typeface="TH SarabunPSK" panose="020B0500040200020003" pitchFamily="34" charset="-34"/>
+                <a:cs typeface="TH SarabunPSK" panose="020B0500040200020003" pitchFamily="34" charset="-34"/>
+              </a:rPr>
+              <a:t>. </a:t>
+            </a:r>
+            <a:r>
+              <a:rPr lang="th-TH" sz="2400" dirty="0">
+                <a:solidFill>
+                  <a:schemeClr val="bg1"/>
+                </a:solidFill>
+                <a:latin typeface="TH SarabunPSK" panose="020B0500040200020003" pitchFamily="34" charset="-34"/>
+                <a:cs typeface="TH SarabunPSK" panose="020B0500040200020003" pitchFamily="34" charset="-34"/>
+              </a:rPr>
+              <a:t>ดร</a:t>
+            </a:r>
+            <a:r>
+              <a:rPr lang="en-US" sz="2400" dirty="0">
+                <a:solidFill>
+                  <a:schemeClr val="bg1"/>
+                </a:solidFill>
+                <a:latin typeface="TH SarabunPSK" panose="020B0500040200020003" pitchFamily="34" charset="-34"/>
+                <a:cs typeface="TH SarabunPSK" panose="020B0500040200020003" pitchFamily="34" charset="-34"/>
+              </a:rPr>
+              <a:t>.</a:t>
+            </a:r>
+            <a:r>
+              <a:rPr lang="th-TH" sz="2400" dirty="0">
+                <a:solidFill>
+                  <a:schemeClr val="bg1"/>
+                </a:solidFill>
+                <a:latin typeface="TH SarabunPSK" panose="020B0500040200020003" pitchFamily="34" charset="-34"/>
+                <a:cs typeface="TH SarabunPSK" panose="020B0500040200020003" pitchFamily="34" charset="-34"/>
+              </a:rPr>
+              <a:t>ธนพงศ์ อินทระ สาขาวิชาสถิติ มหาวิทยาลัยขอนแก่น </a:t>
+            </a:r>
+          </a:p>
+        </p:txBody>
+      </p:sp>
     </p:spTree>
     <p:extLst>
       <p:ext uri="{BB962C8B-B14F-4D97-AF65-F5344CB8AC3E}">
@@ -23807,6 +25862,88 @@
           </a:p>
         </p:txBody>
       </p:sp>
+      <p:sp>
+        <p:nvSpPr>
+          <p:cNvPr id="9" name="TextBox 8">
+            <a:extLst>
+              <a:ext uri="{FF2B5EF4-FFF2-40B4-BE49-F238E27FC236}">
+                <a16:creationId xmlns:a16="http://schemas.microsoft.com/office/drawing/2014/main" id="{A54A3C90-23C5-D243-659E-6C17C069B760}"/>
+              </a:ext>
+            </a:extLst>
+          </p:cNvPr>
+          <p:cNvSpPr txBox="1"/>
+          <p:nvPr/>
+        </p:nvSpPr>
+        <p:spPr>
+          <a:xfrm>
+            <a:off x="114677" y="6172611"/>
+            <a:ext cx="5532120" cy="461665"/>
+          </a:xfrm>
+          <a:prstGeom prst="rect">
+            <a:avLst/>
+          </a:prstGeom>
+          <a:noFill/>
+        </p:spPr>
+        <p:txBody>
+          <a:bodyPr wrap="square">
+            <a:spAutoFit/>
+          </a:bodyPr>
+          <a:lstStyle/>
+          <a:p>
+            <a:pPr algn="l"/>
+            <a:r>
+              <a:rPr lang="th-TH" sz="2400" dirty="0">
+                <a:solidFill>
+                  <a:schemeClr val="bg1"/>
+                </a:solidFill>
+                <a:latin typeface="TH SarabunPSK" panose="020B0500040200020003" pitchFamily="34" charset="-34"/>
+                <a:cs typeface="TH SarabunPSK" panose="020B0500040200020003" pitchFamily="34" charset="-34"/>
+              </a:rPr>
+              <a:t>โดย ผศ</a:t>
+            </a:r>
+            <a:r>
+              <a:rPr lang="en-US" sz="2400" dirty="0">
+                <a:solidFill>
+                  <a:schemeClr val="bg1"/>
+                </a:solidFill>
+                <a:latin typeface="TH SarabunPSK" panose="020B0500040200020003" pitchFamily="34" charset="-34"/>
+                <a:cs typeface="TH SarabunPSK" panose="020B0500040200020003" pitchFamily="34" charset="-34"/>
+              </a:rPr>
+              <a:t>. </a:t>
+            </a:r>
+            <a:r>
+              <a:rPr lang="th-TH" sz="2400" dirty="0">
+                <a:solidFill>
+                  <a:schemeClr val="bg1"/>
+                </a:solidFill>
+                <a:latin typeface="TH SarabunPSK" panose="020B0500040200020003" pitchFamily="34" charset="-34"/>
+                <a:cs typeface="TH SarabunPSK" panose="020B0500040200020003" pitchFamily="34" charset="-34"/>
+              </a:rPr>
+              <a:t>ดร</a:t>
+            </a:r>
+            <a:r>
+              <a:rPr lang="en-US" sz="2400" dirty="0">
+                <a:solidFill>
+                  <a:schemeClr val="bg1"/>
+                </a:solidFill>
+                <a:latin typeface="TH SarabunPSK" panose="020B0500040200020003" pitchFamily="34" charset="-34"/>
+                <a:cs typeface="TH SarabunPSK" panose="020B0500040200020003" pitchFamily="34" charset="-34"/>
+              </a:rPr>
+              <a:t>.</a:t>
+            </a:r>
+            <a:r>
+              <a:rPr lang="th-TH" sz="2400" dirty="0">
+                <a:solidFill>
+                  <a:schemeClr val="bg1"/>
+                </a:solidFill>
+                <a:latin typeface="TH SarabunPSK" panose="020B0500040200020003" pitchFamily="34" charset="-34"/>
+                <a:cs typeface="TH SarabunPSK" panose="020B0500040200020003" pitchFamily="34" charset="-34"/>
+              </a:rPr>
+              <a:t>ธนพงศ์ อินทระ สาขาวิชาสถิติ มหาวิทยาลัยขอนแก่น </a:t>
+            </a:r>
+          </a:p>
+        </p:txBody>
+      </p:sp>
     </p:spTree>
     <p:extLst>
       <p:ext uri="{BB962C8B-B14F-4D97-AF65-F5344CB8AC3E}">
@@ -24603,6 +26740,88 @@
                 <a:cs typeface="TH SarabunPSK" panose="020B0500040200020003" pitchFamily="34" charset="-34"/>
               </a:rPr>
               <a:t> number python</a:t>
+            </a:r>
+          </a:p>
+        </p:txBody>
+      </p:sp>
+      <p:sp>
+        <p:nvSpPr>
+          <p:cNvPr id="10" name="TextBox 9">
+            <a:extLst>
+              <a:ext uri="{FF2B5EF4-FFF2-40B4-BE49-F238E27FC236}">
+                <a16:creationId xmlns:a16="http://schemas.microsoft.com/office/drawing/2014/main" id="{DBAE72CD-8005-BF4C-31B9-8AAEF94F3578}"/>
+              </a:ext>
+            </a:extLst>
+          </p:cNvPr>
+          <p:cNvSpPr txBox="1"/>
+          <p:nvPr/>
+        </p:nvSpPr>
+        <p:spPr>
+          <a:xfrm>
+            <a:off x="114677" y="6172611"/>
+            <a:ext cx="5532120" cy="461665"/>
+          </a:xfrm>
+          <a:prstGeom prst="rect">
+            <a:avLst/>
+          </a:prstGeom>
+          <a:noFill/>
+        </p:spPr>
+        <p:txBody>
+          <a:bodyPr wrap="square">
+            <a:spAutoFit/>
+          </a:bodyPr>
+          <a:lstStyle/>
+          <a:p>
+            <a:pPr algn="l"/>
+            <a:r>
+              <a:rPr lang="th-TH" sz="2400" dirty="0">
+                <a:solidFill>
+                  <a:schemeClr val="bg1"/>
+                </a:solidFill>
+                <a:latin typeface="TH SarabunPSK" panose="020B0500040200020003" pitchFamily="34" charset="-34"/>
+                <a:cs typeface="TH SarabunPSK" panose="020B0500040200020003" pitchFamily="34" charset="-34"/>
+              </a:rPr>
+              <a:t>โดย ผศ</a:t>
+            </a:r>
+            <a:r>
+              <a:rPr lang="en-US" sz="2400" dirty="0">
+                <a:solidFill>
+                  <a:schemeClr val="bg1"/>
+                </a:solidFill>
+                <a:latin typeface="TH SarabunPSK" panose="020B0500040200020003" pitchFamily="34" charset="-34"/>
+                <a:cs typeface="TH SarabunPSK" panose="020B0500040200020003" pitchFamily="34" charset="-34"/>
+              </a:rPr>
+              <a:t>. </a:t>
+            </a:r>
+            <a:r>
+              <a:rPr lang="th-TH" sz="2400" dirty="0">
+                <a:solidFill>
+                  <a:schemeClr val="bg1"/>
+                </a:solidFill>
+                <a:latin typeface="TH SarabunPSK" panose="020B0500040200020003" pitchFamily="34" charset="-34"/>
+                <a:cs typeface="TH SarabunPSK" panose="020B0500040200020003" pitchFamily="34" charset="-34"/>
+              </a:rPr>
+              <a:t>ดร</a:t>
+            </a:r>
+            <a:r>
+              <a:rPr lang="en-US" sz="2400" dirty="0">
+                <a:solidFill>
+                  <a:schemeClr val="bg1"/>
+                </a:solidFill>
+                <a:latin typeface="TH SarabunPSK" panose="020B0500040200020003" pitchFamily="34" charset="-34"/>
+                <a:cs typeface="TH SarabunPSK" panose="020B0500040200020003" pitchFamily="34" charset="-34"/>
+              </a:rPr>
+              <a:t>.</a:t>
+            </a:r>
+            <a:r>
+              <a:rPr lang="th-TH" sz="2400" dirty="0">
+                <a:solidFill>
+                  <a:schemeClr val="bg1"/>
+                </a:solidFill>
+                <a:latin typeface="TH SarabunPSK" panose="020B0500040200020003" pitchFamily="34" charset="-34"/>
+                <a:cs typeface="TH SarabunPSK" panose="020B0500040200020003" pitchFamily="34" charset="-34"/>
+              </a:rPr>
+              <a:t>ธนพงศ์ อินทระ สาขาวิชาสถิติ มหาวิทยาลัยขอนแก่น </a:t>
             </a:r>
           </a:p>
         </p:txBody>
